--- a/Zwischenpräsentation/Zwischenpräsentation.pptx
+++ b/Zwischenpräsentation/Zwischenpräsentation.pptx
@@ -5,21 +5,23 @@
     <p:sldMasterId id="2147483648" r:id="rId4"/>
   </p:sldMasterIdLst>
   <p:notesMasterIdLst>
-    <p:notesMasterId r:id="rId14"/>
+    <p:notesMasterId r:id="rId16"/>
   </p:notesMasterIdLst>
   <p:handoutMasterIdLst>
-    <p:handoutMasterId r:id="rId15"/>
+    <p:handoutMasterId r:id="rId17"/>
   </p:handoutMasterIdLst>
   <p:sldIdLst>
     <p:sldId id="256" r:id="rId5"/>
     <p:sldId id="257" r:id="rId6"/>
     <p:sldId id="258" r:id="rId7"/>
     <p:sldId id="259" r:id="rId8"/>
-    <p:sldId id="260" r:id="rId9"/>
-    <p:sldId id="261" r:id="rId10"/>
-    <p:sldId id="262" r:id="rId11"/>
-    <p:sldId id="264" r:id="rId12"/>
-    <p:sldId id="263" r:id="rId13"/>
+    <p:sldId id="265" r:id="rId9"/>
+    <p:sldId id="260" r:id="rId10"/>
+    <p:sldId id="261" r:id="rId11"/>
+    <p:sldId id="262" r:id="rId12"/>
+    <p:sldId id="264" r:id="rId13"/>
+    <p:sldId id="266" r:id="rId14"/>
+    <p:sldId id="263" r:id="rId15"/>
   </p:sldIdLst>
   <p:sldSz cx="9144000" cy="5143500" type="screen16x9"/>
   <p:notesSz cx="6858000" cy="9144000"/>
@@ -120,7 +122,7 @@
   </p:defaultTextStyle>
   <p:extLst>
     <p:ext uri="{EFAFB233-063F-42B5-8137-9DF3F51BA10A}">
-      <p15:sldGuideLst xmlns:p15="http://schemas.microsoft.com/office/powerpoint/2012/main">
+      <p15:sldGuideLst xmlns:p15="http://schemas.microsoft.com/office/powerpoint/2012/main" xmlns="">
         <p15:guide id="1" orient="horz" pos="2160" userDrawn="1">
           <p15:clr>
             <a:srgbClr val="A4A3A4"/>
@@ -144,7 +146,7 @@
       </p15:sldGuideLst>
     </p:ext>
     <p:ext uri="{2D200454-40CA-4A62-9FC3-DE9A4176ACB9}">
-      <p15:notesGuideLst xmlns:p15="http://schemas.microsoft.com/office/powerpoint/2012/main">
+      <p15:notesGuideLst xmlns:p15="http://schemas.microsoft.com/office/powerpoint/2012/main" xmlns="">
         <p15:guide id="1" orient="horz" pos="2880">
           <p15:clr>
             <a:srgbClr val="A4A3A4"/>
@@ -275,6 +277,7 @@
           <a:p>
             <a:fld id="{A5F8B742-6BAC-4ABF-B2EB-174ED71661CE}" type="slidenum">
               <a:rPr lang="de-DE" smtClean="0"/>
+              <a:pPr/>
               <a:t>‹Nr.›</a:t>
             </a:fld>
             <a:endParaRPr lang="de-DE"/>
@@ -290,10 +293,10 @@
           <p:nvPr/>
         </p:nvPicPr>
         <p:blipFill rotWithShape="1">
-          <a:blip r:embed="rId2">
+          <a:blip r:embed="rId2" cstate="print">
             <a:extLst>
               <a:ext uri="{28A0092B-C50C-407E-A947-70E740481C1C}">
-                <a14:useLocalDpi xmlns:a14="http://schemas.microsoft.com/office/drawing/2010/main" val="0"/>
+                <a14:useLocalDpi xmlns:a14="http://schemas.microsoft.com/office/drawing/2010/main" xmlns="" val="0"/>
               </a:ext>
             </a:extLst>
           </a:blip>
@@ -313,7 +316,7 @@
     </p:spTree>
     <p:extLst>
       <p:ext uri="{BB962C8B-B14F-4D97-AF65-F5344CB8AC3E}">
-        <p14:creationId xmlns:p14="http://schemas.microsoft.com/office/powerpoint/2010/main" val="2393592589"/>
+        <p14:creationId xmlns:p14="http://schemas.microsoft.com/office/powerpoint/2010/main" xmlns="" val="2393592589"/>
       </p:ext>
     </p:extLst>
   </p:cSld>
@@ -403,7 +406,8 @@
           <a:p>
             <a:fld id="{90BC4B87-6123-4AD5-BA18-D0C615F32DE0}" type="datetimeFigureOut">
               <a:rPr lang="de-DE" smtClean="0"/>
-              <a:t>29.06.2020</a:t>
+              <a:pPr/>
+              <a:t>01.07.2020</a:t>
             </a:fld>
             <a:endParaRPr lang="de-DE"/>
           </a:p>
@@ -561,6 +565,7 @@
           <a:p>
             <a:fld id="{5ED54D14-BD7D-4C86-87A4-3C7AAB60AB5B}" type="slidenum">
               <a:rPr lang="de-DE" smtClean="0"/>
+              <a:pPr/>
               <a:t>‹Nr.›</a:t>
             </a:fld>
             <a:endParaRPr lang="de-DE"/>
@@ -570,7 +575,7 @@
     </p:spTree>
     <p:extLst>
       <p:ext uri="{BB962C8B-B14F-4D97-AF65-F5344CB8AC3E}">
-        <p14:creationId xmlns:p14="http://schemas.microsoft.com/office/powerpoint/2010/main" val="2429783476"/>
+        <p14:creationId xmlns:p14="http://schemas.microsoft.com/office/powerpoint/2010/main" xmlns="" val="2429783476"/>
       </p:ext>
     </p:extLst>
   </p:cSld>
@@ -918,7 +923,7 @@
     </p:spTree>
     <p:extLst>
       <p:ext uri="{BB962C8B-B14F-4D97-AF65-F5344CB8AC3E}">
-        <p14:creationId xmlns:p14="http://schemas.microsoft.com/office/powerpoint/2010/main" val="780299724"/>
+        <p14:creationId xmlns:p14="http://schemas.microsoft.com/office/powerpoint/2010/main" xmlns="" val="780299724"/>
       </p:ext>
     </p:extLst>
   </p:cSld>
@@ -1044,7 +1049,7 @@
     </p:spTree>
     <p:extLst>
       <p:ext uri="{BB962C8B-B14F-4D97-AF65-F5344CB8AC3E}">
-        <p14:creationId xmlns:p14="http://schemas.microsoft.com/office/powerpoint/2010/main" val="3782000011"/>
+        <p14:creationId xmlns:p14="http://schemas.microsoft.com/office/powerpoint/2010/main" xmlns="" val="3782000011"/>
       </p:ext>
     </p:extLst>
   </p:cSld>
@@ -1210,7 +1215,7 @@
     </p:spTree>
     <p:extLst>
       <p:ext uri="{BB962C8B-B14F-4D97-AF65-F5344CB8AC3E}">
-        <p14:creationId xmlns:p14="http://schemas.microsoft.com/office/powerpoint/2010/main" val="2970687436"/>
+        <p14:creationId xmlns:p14="http://schemas.microsoft.com/office/powerpoint/2010/main" xmlns="" val="2970687436"/>
       </p:ext>
     </p:extLst>
   </p:cSld>
@@ -1368,7 +1373,7 @@
     </p:spTree>
     <p:extLst>
       <p:ext uri="{BB962C8B-B14F-4D97-AF65-F5344CB8AC3E}">
-        <p14:creationId xmlns:p14="http://schemas.microsoft.com/office/powerpoint/2010/main" val="3832344047"/>
+        <p14:creationId xmlns:p14="http://schemas.microsoft.com/office/powerpoint/2010/main" xmlns="" val="3832344047"/>
       </p:ext>
     </p:extLst>
   </p:cSld>
@@ -1561,7 +1566,7 @@
     </p:spTree>
     <p:extLst>
       <p:ext uri="{BB962C8B-B14F-4D97-AF65-F5344CB8AC3E}">
-        <p14:creationId xmlns:p14="http://schemas.microsoft.com/office/powerpoint/2010/main" val="3114404716"/>
+        <p14:creationId xmlns:p14="http://schemas.microsoft.com/office/powerpoint/2010/main" xmlns="" val="3114404716"/>
       </p:ext>
     </p:extLst>
   </p:cSld>
@@ -1825,7 +1830,7 @@
     </p:spTree>
     <p:extLst>
       <p:ext uri="{BB962C8B-B14F-4D97-AF65-F5344CB8AC3E}">
-        <p14:creationId xmlns:p14="http://schemas.microsoft.com/office/powerpoint/2010/main" val="1160609061"/>
+        <p14:creationId xmlns:p14="http://schemas.microsoft.com/office/powerpoint/2010/main" xmlns="" val="1160609061"/>
       </p:ext>
     </p:extLst>
   </p:cSld>
@@ -2148,7 +2153,7 @@
     </p:spTree>
     <p:extLst>
       <p:ext uri="{BB962C8B-B14F-4D97-AF65-F5344CB8AC3E}">
-        <p14:creationId xmlns:p14="http://schemas.microsoft.com/office/powerpoint/2010/main" val="277415100"/>
+        <p14:creationId xmlns:p14="http://schemas.microsoft.com/office/powerpoint/2010/main" xmlns="" val="277415100"/>
       </p:ext>
     </p:extLst>
   </p:cSld>
@@ -2471,7 +2476,7 @@
     </p:spTree>
     <p:extLst>
       <p:ext uri="{BB962C8B-B14F-4D97-AF65-F5344CB8AC3E}">
-        <p14:creationId xmlns:p14="http://schemas.microsoft.com/office/powerpoint/2010/main" val="2217606930"/>
+        <p14:creationId xmlns:p14="http://schemas.microsoft.com/office/powerpoint/2010/main" xmlns="" val="2217606930"/>
       </p:ext>
     </p:extLst>
   </p:cSld>
@@ -2763,7 +2768,7 @@
     </p:spTree>
     <p:extLst>
       <p:ext uri="{BB962C8B-B14F-4D97-AF65-F5344CB8AC3E}">
-        <p14:creationId xmlns:p14="http://schemas.microsoft.com/office/powerpoint/2010/main" val="2097854869"/>
+        <p14:creationId xmlns:p14="http://schemas.microsoft.com/office/powerpoint/2010/main" xmlns="" val="2097854869"/>
       </p:ext>
     </p:extLst>
   </p:cSld>
@@ -3004,7 +3009,7 @@
     </p:spTree>
     <p:extLst>
       <p:ext uri="{BB962C8B-B14F-4D97-AF65-F5344CB8AC3E}">
-        <p14:creationId xmlns:p14="http://schemas.microsoft.com/office/powerpoint/2010/main" val="3293466878"/>
+        <p14:creationId xmlns:p14="http://schemas.microsoft.com/office/powerpoint/2010/main" xmlns="" val="3293466878"/>
       </p:ext>
     </p:extLst>
   </p:cSld>
@@ -3211,7 +3216,7 @@
     </p:spTree>
     <p:extLst>
       <p:ext uri="{BB962C8B-B14F-4D97-AF65-F5344CB8AC3E}">
-        <p14:creationId xmlns:p14="http://schemas.microsoft.com/office/powerpoint/2010/main" val="2963298663"/>
+        <p14:creationId xmlns:p14="http://schemas.microsoft.com/office/powerpoint/2010/main" xmlns="" val="2963298663"/>
       </p:ext>
     </p:extLst>
   </p:cSld>
@@ -3445,7 +3450,7 @@
           <a:blip r:embed="rId2" cstate="print">
             <a:extLst>
               <a:ext uri="{28A0092B-C50C-407E-A947-70E740481C1C}">
-                <a14:useLocalDpi xmlns:a14="http://schemas.microsoft.com/office/drawing/2010/main" val="0"/>
+                <a14:useLocalDpi xmlns:a14="http://schemas.microsoft.com/office/drawing/2010/main" xmlns="" val="0"/>
               </a:ext>
             </a:extLst>
           </a:blip>
@@ -3647,7 +3652,7 @@
     </p:spTree>
     <p:extLst>
       <p:ext uri="{BB962C8B-B14F-4D97-AF65-F5344CB8AC3E}">
-        <p14:creationId xmlns:p14="http://schemas.microsoft.com/office/powerpoint/2010/main" val="3743866467"/>
+        <p14:creationId xmlns:p14="http://schemas.microsoft.com/office/powerpoint/2010/main" xmlns="" val="3743866467"/>
       </p:ext>
     </p:extLst>
   </p:cSld>
@@ -3980,7 +3985,7 @@
     </p:spTree>
     <p:extLst>
       <p:ext uri="{BB962C8B-B14F-4D97-AF65-F5344CB8AC3E}">
-        <p14:creationId xmlns:p14="http://schemas.microsoft.com/office/powerpoint/2010/main" val="1756008387"/>
+        <p14:creationId xmlns:p14="http://schemas.microsoft.com/office/powerpoint/2010/main" xmlns="" val="1756008387"/>
       </p:ext>
     </p:extLst>
   </p:cSld>
@@ -4444,7 +4449,7 @@
     </p:spTree>
     <p:extLst>
       <p:ext uri="{BB962C8B-B14F-4D97-AF65-F5344CB8AC3E}">
-        <p14:creationId xmlns:p14="http://schemas.microsoft.com/office/powerpoint/2010/main" val="1251332282"/>
+        <p14:creationId xmlns:p14="http://schemas.microsoft.com/office/powerpoint/2010/main" xmlns="" val="1251332282"/>
       </p:ext>
     </p:extLst>
   </p:cSld>
@@ -5126,7 +5131,7 @@
     </p:spTree>
     <p:extLst>
       <p:ext uri="{BB962C8B-B14F-4D97-AF65-F5344CB8AC3E}">
-        <p14:creationId xmlns:p14="http://schemas.microsoft.com/office/powerpoint/2010/main" val="4194109108"/>
+        <p14:creationId xmlns:p14="http://schemas.microsoft.com/office/powerpoint/2010/main" xmlns="" val="4194109108"/>
       </p:ext>
     </p:extLst>
   </p:cSld>
@@ -5436,7 +5441,7 @@
     </p:spTree>
     <p:extLst>
       <p:ext uri="{BB962C8B-B14F-4D97-AF65-F5344CB8AC3E}">
-        <p14:creationId xmlns:p14="http://schemas.microsoft.com/office/powerpoint/2010/main" val="2770494240"/>
+        <p14:creationId xmlns:p14="http://schemas.microsoft.com/office/powerpoint/2010/main" xmlns="" val="2770494240"/>
       </p:ext>
     </p:extLst>
   </p:cSld>
@@ -5786,7 +5791,7 @@
     </p:spTree>
     <p:extLst>
       <p:ext uri="{BB962C8B-B14F-4D97-AF65-F5344CB8AC3E}">
-        <p14:creationId xmlns:p14="http://schemas.microsoft.com/office/powerpoint/2010/main" val="483542912"/>
+        <p14:creationId xmlns:p14="http://schemas.microsoft.com/office/powerpoint/2010/main" xmlns="" val="483542912"/>
       </p:ext>
     </p:extLst>
   </p:cSld>
@@ -6144,7 +6149,7 @@
           <a:blip r:embed="rId19" cstate="print">
             <a:extLst>
               <a:ext uri="{28A0092B-C50C-407E-A947-70E740481C1C}">
-                <a14:useLocalDpi xmlns:a14="http://schemas.microsoft.com/office/drawing/2010/main" val="0"/>
+                <a14:useLocalDpi xmlns:a14="http://schemas.microsoft.com/office/drawing/2010/main" xmlns="" val="0"/>
               </a:ext>
             </a:extLst>
           </a:blip>
@@ -6164,7 +6169,7 @@
     </p:spTree>
     <p:extLst>
       <p:ext uri="{BB962C8B-B14F-4D97-AF65-F5344CB8AC3E}">
-        <p14:creationId xmlns:p14="http://schemas.microsoft.com/office/powerpoint/2010/main" val="471908802"/>
+        <p14:creationId xmlns:p14="http://schemas.microsoft.com/office/powerpoint/2010/main" xmlns="" val="471908802"/>
       </p:ext>
     </p:extLst>
   </p:cSld>
@@ -6500,7 +6505,7 @@
           <a:p>
             <a:pPr algn="ctr"/>
             <a:r>
-              <a:rPr lang="de-DE" sz="3600" dirty="0" smtClean="0"/>
+              <a:rPr lang="de-DE" sz="3600" dirty="0"/>
               <a:t>Stimmungsampel</a:t>
             </a:r>
             <a:endParaRPr lang="de-DE" dirty="0"/>
@@ -6510,7 +6515,899 @@
     </p:spTree>
     <p:extLst>
       <p:ext uri="{BB962C8B-B14F-4D97-AF65-F5344CB8AC3E}">
-        <p14:creationId xmlns:p14="http://schemas.microsoft.com/office/powerpoint/2010/main" val="993035284"/>
+        <p14:creationId xmlns:p14="http://schemas.microsoft.com/office/powerpoint/2010/main" xmlns="" val="993035284"/>
+      </p:ext>
+    </p:extLst>
+  </p:cSld>
+  <p:clrMapOvr>
+    <a:masterClrMapping/>
+  </p:clrMapOvr>
+</p:sld>
+</file>
+
+<file path=ppt/slides/slide10.xml><?xml version="1.0" encoding="utf-8"?>
+<p:sld xmlns:a="http://schemas.openxmlformats.org/drawingml/2006/main" xmlns:r="http://schemas.openxmlformats.org/officeDocument/2006/relationships" xmlns:p="http://schemas.openxmlformats.org/presentationml/2006/main">
+  <p:cSld>
+    <p:spTree>
+      <p:nvGrpSpPr>
+        <p:cNvPr id="1" name=""/>
+        <p:cNvGrpSpPr/>
+        <p:nvPr/>
+      </p:nvGrpSpPr>
+      <p:grpSpPr>
+        <a:xfrm>
+          <a:off x="0" y="0"/>
+          <a:ext cx="0" cy="0"/>
+          <a:chOff x="0" y="0"/>
+          <a:chExt cx="0" cy="0"/>
+        </a:xfrm>
+      </p:grpSpPr>
+      <p:sp>
+        <p:nvSpPr>
+          <p:cNvPr id="4" name="Datumsplatzhalter 3">
+            <a:extLst>
+              <a:ext uri="{FF2B5EF4-FFF2-40B4-BE49-F238E27FC236}">
+                <a16:creationId xmlns:a16="http://schemas.microsoft.com/office/drawing/2014/main" xmlns="" id="{A1AFD187-2404-4DB8-89F1-A9331AF8FB6A}"/>
+              </a:ext>
+            </a:extLst>
+          </p:cNvPr>
+          <p:cNvSpPr>
+            <a:spLocks noGrp="1"/>
+          </p:cNvSpPr>
+          <p:nvPr>
+            <p:ph type="dt" sz="half" idx="10"/>
+          </p:nvPr>
+        </p:nvSpPr>
+        <p:spPr/>
+        <p:txBody>
+          <a:bodyPr/>
+          <a:lstStyle/>
+          <a:p>
+            <a:r>
+              <a:rPr lang="de-DE" dirty="0" smtClean="0"/>
+              <a:t>02</a:t>
+            </a:r>
+            <a:r>
+              <a:rPr lang="de-DE" dirty="0" smtClean="0"/>
+              <a:t>.07.2020</a:t>
+            </a:r>
+            <a:endParaRPr lang="de-DE" dirty="0"/>
+          </a:p>
+        </p:txBody>
+      </p:sp>
+      <p:sp>
+        <p:nvSpPr>
+          <p:cNvPr id="6" name="Foliennummernplatzhalter 5">
+            <a:extLst>
+              <a:ext uri="{FF2B5EF4-FFF2-40B4-BE49-F238E27FC236}">
+                <a16:creationId xmlns:a16="http://schemas.microsoft.com/office/drawing/2014/main" xmlns="" id="{3B4ECCCF-00AE-4584-8776-9324BC863521}"/>
+              </a:ext>
+            </a:extLst>
+          </p:cNvPr>
+          <p:cNvSpPr>
+            <a:spLocks noGrp="1"/>
+          </p:cNvSpPr>
+          <p:nvPr>
+            <p:ph type="sldNum" sz="quarter" idx="12"/>
+          </p:nvPr>
+        </p:nvSpPr>
+        <p:spPr/>
+        <p:txBody>
+          <a:bodyPr/>
+          <a:lstStyle/>
+          <a:p>
+            <a:r>
+              <a:rPr lang="de-DE"/>
+              <a:t>S. </a:t>
+            </a:r>
+            <a:fld id="{D7EFD9E5-FB44-4C01-A2C2-48348664E7CC}" type="slidenum">
+              <a:rPr lang="de-DE" smtClean="0"/>
+              <a:pPr/>
+              <a:t>10</a:t>
+            </a:fld>
+            <a:endParaRPr lang="de-DE" dirty="0"/>
+          </a:p>
+        </p:txBody>
+      </p:sp>
+      <p:sp>
+        <p:nvSpPr>
+          <p:cNvPr id="7" name="Titel 6">
+            <a:extLst>
+              <a:ext uri="{FF2B5EF4-FFF2-40B4-BE49-F238E27FC236}">
+                <a16:creationId xmlns:a16="http://schemas.microsoft.com/office/drawing/2014/main" xmlns="" id="{E7303516-9B1B-444D-B5B5-F4448A4FBC50}"/>
+              </a:ext>
+            </a:extLst>
+          </p:cNvPr>
+          <p:cNvSpPr>
+            <a:spLocks noGrp="1"/>
+          </p:cNvSpPr>
+          <p:nvPr>
+            <p:ph type="title"/>
+          </p:nvPr>
+        </p:nvSpPr>
+        <p:spPr/>
+        <p:txBody>
+          <a:bodyPr/>
+          <a:lstStyle/>
+          <a:p>
+            <a:endParaRPr lang="de-DE"/>
+          </a:p>
+        </p:txBody>
+      </p:sp>
+      <p:pic>
+        <p:nvPicPr>
+          <p:cNvPr id="1027" name="Picture 3"/>
+          <p:cNvPicPr>
+            <a:picLocks noChangeAspect="1" noChangeArrowheads="1"/>
+          </p:cNvPicPr>
+          <p:nvPr/>
+        </p:nvPicPr>
+        <p:blipFill>
+          <a:blip r:embed="rId2" cstate="print"/>
+          <a:srcRect/>
+          <a:stretch>
+            <a:fillRect/>
+          </a:stretch>
+        </p:blipFill>
+        <p:spPr bwMode="auto">
+          <a:xfrm>
+            <a:off x="2339752" y="123478"/>
+            <a:ext cx="5112568" cy="4622881"/>
+          </a:xfrm>
+          <a:prstGeom prst="rect">
+            <a:avLst/>
+          </a:prstGeom>
+          <a:noFill/>
+          <a:ln w="9525">
+            <a:noFill/>
+            <a:miter lim="800000"/>
+            <a:headEnd/>
+            <a:tailEnd/>
+          </a:ln>
+        </p:spPr>
+      </p:pic>
+      <p:sp>
+        <p:nvSpPr>
+          <p:cNvPr id="12" name="Rechteck 11"/>
+          <p:cNvSpPr/>
+          <p:nvPr/>
+        </p:nvSpPr>
+        <p:spPr>
+          <a:xfrm>
+            <a:off x="4139952" y="915566"/>
+            <a:ext cx="1728192" cy="1224136"/>
+          </a:xfrm>
+          <a:prstGeom prst="rect">
+            <a:avLst/>
+          </a:prstGeom>
+          <a:noFill/>
+          <a:ln>
+            <a:solidFill>
+              <a:schemeClr val="bg1"/>
+            </a:solidFill>
+          </a:ln>
+        </p:spPr>
+        <p:style>
+          <a:lnRef idx="2">
+            <a:schemeClr val="accent1">
+              <a:shade val="50000"/>
+            </a:schemeClr>
+          </a:lnRef>
+          <a:fillRef idx="1">
+            <a:schemeClr val="accent1"/>
+          </a:fillRef>
+          <a:effectRef idx="0">
+            <a:schemeClr val="accent1"/>
+          </a:effectRef>
+          <a:fontRef idx="minor">
+            <a:schemeClr val="lt1"/>
+          </a:fontRef>
+        </p:style>
+        <p:txBody>
+          <a:bodyPr rtlCol="0" anchor="ctr"/>
+          <a:lstStyle/>
+          <a:p>
+            <a:pPr algn="ctr"/>
+            <a:endParaRPr lang="de-DE"/>
+          </a:p>
+        </p:txBody>
+      </p:sp>
+      <p:sp>
+        <p:nvSpPr>
+          <p:cNvPr id="13" name="Rechteck 12"/>
+          <p:cNvSpPr/>
+          <p:nvPr/>
+        </p:nvSpPr>
+        <p:spPr>
+          <a:xfrm rot="5400000">
+            <a:off x="3136032" y="2351534"/>
+            <a:ext cx="1152128" cy="440432"/>
+          </a:xfrm>
+          <a:prstGeom prst="rect">
+            <a:avLst/>
+          </a:prstGeom>
+          <a:noFill/>
+          <a:ln>
+            <a:solidFill>
+              <a:schemeClr val="bg1"/>
+            </a:solidFill>
+          </a:ln>
+        </p:spPr>
+        <p:style>
+          <a:lnRef idx="2">
+            <a:schemeClr val="accent1">
+              <a:shade val="50000"/>
+            </a:schemeClr>
+          </a:lnRef>
+          <a:fillRef idx="1">
+            <a:schemeClr val="accent1"/>
+          </a:fillRef>
+          <a:effectRef idx="0">
+            <a:schemeClr val="accent1"/>
+          </a:effectRef>
+          <a:fontRef idx="minor">
+            <a:schemeClr val="lt1"/>
+          </a:fontRef>
+        </p:style>
+        <p:txBody>
+          <a:bodyPr rtlCol="0" anchor="ctr"/>
+          <a:lstStyle/>
+          <a:p>
+            <a:pPr algn="ctr"/>
+            <a:endParaRPr lang="de-DE"/>
+          </a:p>
+        </p:txBody>
+      </p:sp>
+      <p:sp>
+        <p:nvSpPr>
+          <p:cNvPr id="14" name="Rechteck 13"/>
+          <p:cNvSpPr/>
+          <p:nvPr/>
+        </p:nvSpPr>
+        <p:spPr>
+          <a:xfrm>
+            <a:off x="4716016" y="2427734"/>
+            <a:ext cx="648072" cy="432048"/>
+          </a:xfrm>
+          <a:prstGeom prst="rect">
+            <a:avLst/>
+          </a:prstGeom>
+          <a:noFill/>
+          <a:ln>
+            <a:solidFill>
+              <a:schemeClr val="bg1"/>
+            </a:solidFill>
+          </a:ln>
+        </p:spPr>
+        <p:style>
+          <a:lnRef idx="2">
+            <a:schemeClr val="accent1">
+              <a:shade val="50000"/>
+            </a:schemeClr>
+          </a:lnRef>
+          <a:fillRef idx="1">
+            <a:schemeClr val="accent1"/>
+          </a:fillRef>
+          <a:effectRef idx="0">
+            <a:schemeClr val="accent1"/>
+          </a:effectRef>
+          <a:fontRef idx="minor">
+            <a:schemeClr val="lt1"/>
+          </a:fontRef>
+        </p:style>
+        <p:txBody>
+          <a:bodyPr rtlCol="0" anchor="ctr"/>
+          <a:lstStyle/>
+          <a:p>
+            <a:pPr algn="ctr"/>
+            <a:endParaRPr lang="de-DE"/>
+          </a:p>
+        </p:txBody>
+      </p:sp>
+      <p:sp>
+        <p:nvSpPr>
+          <p:cNvPr id="15" name="Rechteck 14"/>
+          <p:cNvSpPr/>
+          <p:nvPr/>
+        </p:nvSpPr>
+        <p:spPr>
+          <a:xfrm>
+            <a:off x="4067944" y="3003798"/>
+            <a:ext cx="1559024" cy="745232"/>
+          </a:xfrm>
+          <a:prstGeom prst="rect">
+            <a:avLst/>
+          </a:prstGeom>
+          <a:noFill/>
+          <a:ln>
+            <a:solidFill>
+              <a:schemeClr val="bg1"/>
+            </a:solidFill>
+          </a:ln>
+        </p:spPr>
+        <p:style>
+          <a:lnRef idx="2">
+            <a:schemeClr val="accent1">
+              <a:shade val="50000"/>
+            </a:schemeClr>
+          </a:lnRef>
+          <a:fillRef idx="1">
+            <a:schemeClr val="accent1"/>
+          </a:fillRef>
+          <a:effectRef idx="0">
+            <a:schemeClr val="accent1"/>
+          </a:effectRef>
+          <a:fontRef idx="minor">
+            <a:schemeClr val="lt1"/>
+          </a:fontRef>
+        </p:style>
+        <p:txBody>
+          <a:bodyPr rtlCol="0" anchor="ctr"/>
+          <a:lstStyle/>
+          <a:p>
+            <a:pPr algn="ctr"/>
+            <a:endParaRPr lang="de-DE"/>
+          </a:p>
+        </p:txBody>
+      </p:sp>
+      <p:sp>
+        <p:nvSpPr>
+          <p:cNvPr id="16" name="Rechteck 15"/>
+          <p:cNvSpPr/>
+          <p:nvPr/>
+        </p:nvSpPr>
+        <p:spPr>
+          <a:xfrm rot="5400000">
+            <a:off x="5217604" y="2790242"/>
+            <a:ext cx="1766664" cy="321568"/>
+          </a:xfrm>
+          <a:prstGeom prst="rect">
+            <a:avLst/>
+          </a:prstGeom>
+          <a:noFill/>
+          <a:ln>
+            <a:solidFill>
+              <a:schemeClr val="bg1"/>
+            </a:solidFill>
+          </a:ln>
+        </p:spPr>
+        <p:style>
+          <a:lnRef idx="2">
+            <a:schemeClr val="accent1">
+              <a:shade val="50000"/>
+            </a:schemeClr>
+          </a:lnRef>
+          <a:fillRef idx="1">
+            <a:schemeClr val="accent1"/>
+          </a:fillRef>
+          <a:effectRef idx="0">
+            <a:schemeClr val="accent1"/>
+          </a:effectRef>
+          <a:fontRef idx="minor">
+            <a:schemeClr val="lt1"/>
+          </a:fontRef>
+        </p:style>
+        <p:txBody>
+          <a:bodyPr rtlCol="0" anchor="ctr"/>
+          <a:lstStyle/>
+          <a:p>
+            <a:pPr algn="ctr"/>
+            <a:endParaRPr lang="de-DE"/>
+          </a:p>
+        </p:txBody>
+      </p:sp>
+      <p:sp>
+        <p:nvSpPr>
+          <p:cNvPr id="17" name="Rechteck 16"/>
+          <p:cNvSpPr/>
+          <p:nvPr/>
+        </p:nvSpPr>
+        <p:spPr>
+          <a:xfrm>
+            <a:off x="4572000" y="4083918"/>
+            <a:ext cx="864096" cy="504056"/>
+          </a:xfrm>
+          <a:prstGeom prst="rect">
+            <a:avLst/>
+          </a:prstGeom>
+          <a:noFill/>
+          <a:ln>
+            <a:solidFill>
+              <a:schemeClr val="bg1"/>
+            </a:solidFill>
+          </a:ln>
+        </p:spPr>
+        <p:style>
+          <a:lnRef idx="2">
+            <a:schemeClr val="accent1">
+              <a:shade val="50000"/>
+            </a:schemeClr>
+          </a:lnRef>
+          <a:fillRef idx="1">
+            <a:schemeClr val="accent1"/>
+          </a:fillRef>
+          <a:effectRef idx="0">
+            <a:schemeClr val="accent1"/>
+          </a:effectRef>
+          <a:fontRef idx="minor">
+            <a:schemeClr val="lt1"/>
+          </a:fontRef>
+        </p:style>
+        <p:txBody>
+          <a:bodyPr rtlCol="0" anchor="ctr"/>
+          <a:lstStyle/>
+          <a:p>
+            <a:pPr algn="ctr"/>
+            <a:endParaRPr lang="de-DE"/>
+          </a:p>
+        </p:txBody>
+      </p:sp>
+      <p:sp>
+        <p:nvSpPr>
+          <p:cNvPr id="18" name="Textfeld 17"/>
+          <p:cNvSpPr txBox="1"/>
+          <p:nvPr/>
+        </p:nvSpPr>
+        <p:spPr>
+          <a:xfrm>
+            <a:off x="4067944" y="3939902"/>
+            <a:ext cx="360040" cy="307777"/>
+          </a:xfrm>
+          <a:prstGeom prst="rect">
+            <a:avLst/>
+          </a:prstGeom>
+          <a:noFill/>
+        </p:spPr>
+        <p:txBody>
+          <a:bodyPr wrap="square" rtlCol="0">
+            <a:spAutoFit/>
+          </a:bodyPr>
+          <a:lstStyle/>
+          <a:p>
+            <a:r>
+              <a:rPr lang="de-DE" dirty="0" smtClean="0"/>
+              <a:t>7</a:t>
+            </a:r>
+            <a:endParaRPr lang="de-DE" dirty="0"/>
+          </a:p>
+        </p:txBody>
+      </p:sp>
+      <p:sp>
+        <p:nvSpPr>
+          <p:cNvPr id="19" name="Textfeld 18"/>
+          <p:cNvSpPr txBox="1"/>
+          <p:nvPr/>
+        </p:nvSpPr>
+        <p:spPr>
+          <a:xfrm>
+            <a:off x="3995936" y="411510"/>
+            <a:ext cx="360040" cy="307777"/>
+          </a:xfrm>
+          <a:prstGeom prst="rect">
+            <a:avLst/>
+          </a:prstGeom>
+          <a:noFill/>
+        </p:spPr>
+        <p:txBody>
+          <a:bodyPr wrap="square" rtlCol="0">
+            <a:spAutoFit/>
+          </a:bodyPr>
+          <a:lstStyle/>
+          <a:p>
+            <a:r>
+              <a:rPr lang="de-DE" dirty="0" smtClean="0"/>
+              <a:t>7</a:t>
+            </a:r>
+            <a:endParaRPr lang="de-DE" dirty="0"/>
+          </a:p>
+        </p:txBody>
+      </p:sp>
+      <p:sp>
+        <p:nvSpPr>
+          <p:cNvPr id="20" name="Textfeld 19"/>
+          <p:cNvSpPr txBox="1"/>
+          <p:nvPr/>
+        </p:nvSpPr>
+        <p:spPr>
+          <a:xfrm>
+            <a:off x="3491880" y="2859782"/>
+            <a:ext cx="360040" cy="307777"/>
+          </a:xfrm>
+          <a:prstGeom prst="rect">
+            <a:avLst/>
+          </a:prstGeom>
+          <a:noFill/>
+        </p:spPr>
+        <p:txBody>
+          <a:bodyPr wrap="square" rtlCol="0">
+            <a:spAutoFit/>
+          </a:bodyPr>
+          <a:lstStyle/>
+          <a:p>
+            <a:r>
+              <a:rPr lang="de-DE" dirty="0" smtClean="0"/>
+              <a:t>6</a:t>
+            </a:r>
+            <a:endParaRPr lang="de-DE" dirty="0"/>
+          </a:p>
+        </p:txBody>
+      </p:sp>
+      <p:sp>
+        <p:nvSpPr>
+          <p:cNvPr id="21" name="Textfeld 20"/>
+          <p:cNvSpPr txBox="1"/>
+          <p:nvPr/>
+        </p:nvSpPr>
+        <p:spPr>
+          <a:xfrm>
+            <a:off x="5004048" y="1275606"/>
+            <a:ext cx="360040" cy="307777"/>
+          </a:xfrm>
+          <a:prstGeom prst="rect">
+            <a:avLst/>
+          </a:prstGeom>
+          <a:noFill/>
+        </p:spPr>
+        <p:txBody>
+          <a:bodyPr wrap="square" rtlCol="0">
+            <a:spAutoFit/>
+          </a:bodyPr>
+          <a:lstStyle/>
+          <a:p>
+            <a:r>
+              <a:rPr lang="de-DE" dirty="0" smtClean="0"/>
+              <a:t>5</a:t>
+            </a:r>
+            <a:endParaRPr lang="de-DE" dirty="0"/>
+          </a:p>
+        </p:txBody>
+      </p:sp>
+      <p:sp>
+        <p:nvSpPr>
+          <p:cNvPr id="22" name="Textfeld 21"/>
+          <p:cNvSpPr txBox="1"/>
+          <p:nvPr/>
+        </p:nvSpPr>
+        <p:spPr>
+          <a:xfrm>
+            <a:off x="5940152" y="2571750"/>
+            <a:ext cx="360040" cy="307777"/>
+          </a:xfrm>
+          <a:prstGeom prst="rect">
+            <a:avLst/>
+          </a:prstGeom>
+          <a:noFill/>
+        </p:spPr>
+        <p:txBody>
+          <a:bodyPr wrap="square" rtlCol="0">
+            <a:spAutoFit/>
+          </a:bodyPr>
+          <a:lstStyle/>
+          <a:p>
+            <a:r>
+              <a:rPr lang="de-DE" dirty="0" smtClean="0"/>
+              <a:t>4</a:t>
+            </a:r>
+            <a:endParaRPr lang="de-DE" dirty="0"/>
+          </a:p>
+        </p:txBody>
+      </p:sp>
+      <p:sp>
+        <p:nvSpPr>
+          <p:cNvPr id="23" name="Textfeld 22"/>
+          <p:cNvSpPr txBox="1"/>
+          <p:nvPr/>
+        </p:nvSpPr>
+        <p:spPr>
+          <a:xfrm>
+            <a:off x="4860032" y="2499742"/>
+            <a:ext cx="360040" cy="307777"/>
+          </a:xfrm>
+          <a:prstGeom prst="rect">
+            <a:avLst/>
+          </a:prstGeom>
+          <a:noFill/>
+        </p:spPr>
+        <p:txBody>
+          <a:bodyPr wrap="square" rtlCol="0">
+            <a:spAutoFit/>
+          </a:bodyPr>
+          <a:lstStyle/>
+          <a:p>
+            <a:r>
+              <a:rPr lang="de-DE" dirty="0" smtClean="0"/>
+              <a:t>3</a:t>
+            </a:r>
+            <a:endParaRPr lang="de-DE" dirty="0"/>
+          </a:p>
+        </p:txBody>
+      </p:sp>
+      <p:sp>
+        <p:nvSpPr>
+          <p:cNvPr id="24" name="Textfeld 23"/>
+          <p:cNvSpPr txBox="1"/>
+          <p:nvPr/>
+        </p:nvSpPr>
+        <p:spPr>
+          <a:xfrm>
+            <a:off x="5148064" y="4227934"/>
+            <a:ext cx="360040" cy="307777"/>
+          </a:xfrm>
+          <a:prstGeom prst="rect">
+            <a:avLst/>
+          </a:prstGeom>
+          <a:noFill/>
+        </p:spPr>
+        <p:txBody>
+          <a:bodyPr wrap="square" rtlCol="0">
+            <a:spAutoFit/>
+          </a:bodyPr>
+          <a:lstStyle/>
+          <a:p>
+            <a:r>
+              <a:rPr lang="de-DE" dirty="0" smtClean="0"/>
+              <a:t>2</a:t>
+            </a:r>
+            <a:endParaRPr lang="de-DE" dirty="0"/>
+          </a:p>
+        </p:txBody>
+      </p:sp>
+      <p:sp>
+        <p:nvSpPr>
+          <p:cNvPr id="25" name="Textfeld 24"/>
+          <p:cNvSpPr txBox="1"/>
+          <p:nvPr/>
+        </p:nvSpPr>
+        <p:spPr>
+          <a:xfrm>
+            <a:off x="4572000" y="3219822"/>
+            <a:ext cx="360040" cy="307777"/>
+          </a:xfrm>
+          <a:prstGeom prst="rect">
+            <a:avLst/>
+          </a:prstGeom>
+          <a:noFill/>
+        </p:spPr>
+        <p:txBody>
+          <a:bodyPr wrap="square" rtlCol="0">
+            <a:spAutoFit/>
+          </a:bodyPr>
+          <a:lstStyle/>
+          <a:p>
+            <a:r>
+              <a:rPr lang="de-DE" dirty="0" smtClean="0"/>
+              <a:t>1</a:t>
+            </a:r>
+            <a:endParaRPr lang="de-DE" dirty="0"/>
+          </a:p>
+        </p:txBody>
+      </p:sp>
+      <p:sp>
+        <p:nvSpPr>
+          <p:cNvPr id="26" name="Textfeld 25"/>
+          <p:cNvSpPr txBox="1"/>
+          <p:nvPr/>
+        </p:nvSpPr>
+        <p:spPr>
+          <a:xfrm>
+            <a:off x="6660232" y="1995686"/>
+            <a:ext cx="360040" cy="307777"/>
+          </a:xfrm>
+          <a:prstGeom prst="rect">
+            <a:avLst/>
+          </a:prstGeom>
+          <a:noFill/>
+        </p:spPr>
+        <p:txBody>
+          <a:bodyPr wrap="square" rtlCol="0">
+            <a:spAutoFit/>
+          </a:bodyPr>
+          <a:lstStyle/>
+          <a:p>
+            <a:r>
+              <a:rPr lang="de-DE" dirty="0" smtClean="0"/>
+              <a:t>7</a:t>
+            </a:r>
+            <a:endParaRPr lang="de-DE" dirty="0"/>
+          </a:p>
+        </p:txBody>
+      </p:sp>
+    </p:spTree>
+    <p:extLst>
+      <p:ext uri="{BB962C8B-B14F-4D97-AF65-F5344CB8AC3E}">
+        <p14:creationId xmlns:p14="http://schemas.microsoft.com/office/powerpoint/2010/main" xmlns="" val="2740458544"/>
+      </p:ext>
+    </p:extLst>
+  </p:cSld>
+  <p:clrMapOvr>
+    <a:masterClrMapping/>
+  </p:clrMapOvr>
+</p:sld>
+</file>
+
+<file path=ppt/slides/slide11.xml><?xml version="1.0" encoding="utf-8"?>
+<p:sld xmlns:a="http://schemas.openxmlformats.org/drawingml/2006/main" xmlns:r="http://schemas.openxmlformats.org/officeDocument/2006/relationships" xmlns:p="http://schemas.openxmlformats.org/presentationml/2006/main">
+  <p:cSld>
+    <p:spTree>
+      <p:nvGrpSpPr>
+        <p:cNvPr id="1" name=""/>
+        <p:cNvGrpSpPr/>
+        <p:nvPr/>
+      </p:nvGrpSpPr>
+      <p:grpSpPr>
+        <a:xfrm>
+          <a:off x="0" y="0"/>
+          <a:ext cx="0" cy="0"/>
+          <a:chOff x="0" y="0"/>
+          <a:chExt cx="0" cy="0"/>
+        </a:xfrm>
+      </p:grpSpPr>
+      <p:sp>
+        <p:nvSpPr>
+          <p:cNvPr id="4" name="Datumsplatzhalter 3"/>
+          <p:cNvSpPr>
+            <a:spLocks noGrp="1"/>
+          </p:cNvSpPr>
+          <p:nvPr>
+            <p:ph type="dt" sz="half" idx="10"/>
+          </p:nvPr>
+        </p:nvSpPr>
+        <p:spPr/>
+        <p:txBody>
+          <a:bodyPr/>
+          <a:lstStyle/>
+          <a:p>
+            <a:r>
+              <a:rPr lang="de-DE" dirty="0"/>
+              <a:t>02.07.2020</a:t>
+            </a:r>
+          </a:p>
+        </p:txBody>
+      </p:sp>
+      <p:sp>
+        <p:nvSpPr>
+          <p:cNvPr id="6" name="Foliennummernplatzhalter 5"/>
+          <p:cNvSpPr>
+            <a:spLocks noGrp="1"/>
+          </p:cNvSpPr>
+          <p:nvPr>
+            <p:ph type="sldNum" sz="quarter" idx="12"/>
+          </p:nvPr>
+        </p:nvSpPr>
+        <p:spPr/>
+        <p:txBody>
+          <a:bodyPr/>
+          <a:lstStyle/>
+          <a:p>
+            <a:r>
+              <a:rPr lang="de-DE"/>
+              <a:t>S. </a:t>
+            </a:r>
+            <a:fld id="{D7EFD9E5-FB44-4C01-A2C2-48348664E7CC}" type="slidenum">
+              <a:rPr lang="de-DE" smtClean="0"/>
+              <a:pPr/>
+              <a:t>11</a:t>
+            </a:fld>
+            <a:endParaRPr lang="de-DE" dirty="0"/>
+          </a:p>
+        </p:txBody>
+      </p:sp>
+      <p:sp>
+        <p:nvSpPr>
+          <p:cNvPr id="7" name="Titel 6"/>
+          <p:cNvSpPr>
+            <a:spLocks noGrp="1"/>
+          </p:cNvSpPr>
+          <p:nvPr>
+            <p:ph type="title"/>
+          </p:nvPr>
+        </p:nvSpPr>
+        <p:spPr/>
+        <p:txBody>
+          <a:bodyPr/>
+          <a:lstStyle/>
+          <a:p>
+            <a:endParaRPr lang="de-DE"/>
+          </a:p>
+        </p:txBody>
+      </p:sp>
+      <p:sp>
+        <p:nvSpPr>
+          <p:cNvPr id="8" name="Textplatzhalter 7"/>
+          <p:cNvSpPr>
+            <a:spLocks noGrp="1"/>
+          </p:cNvSpPr>
+          <p:nvPr>
+            <p:ph type="body" sz="quarter" idx="14"/>
+          </p:nvPr>
+        </p:nvSpPr>
+        <p:spPr/>
+        <p:txBody>
+          <a:bodyPr/>
+          <a:lstStyle/>
+          <a:p>
+            <a:r>
+              <a:rPr lang="de-DE" dirty="0"/>
+              <a:t>Jetziger Stand und </a:t>
+            </a:r>
+            <a:r>
+              <a:rPr lang="de-DE" dirty="0" err="1"/>
+              <a:t>To</a:t>
+            </a:r>
+            <a:r>
+              <a:rPr lang="de-DE" dirty="0"/>
+              <a:t>-dos</a:t>
+            </a:r>
+          </a:p>
+        </p:txBody>
+      </p:sp>
+      <p:sp>
+        <p:nvSpPr>
+          <p:cNvPr id="10" name="Textfeld 9"/>
+          <p:cNvSpPr txBox="1"/>
+          <p:nvPr/>
+        </p:nvSpPr>
+        <p:spPr>
+          <a:xfrm>
+            <a:off x="281258" y="1256132"/>
+            <a:ext cx="8539214" cy="954107"/>
+          </a:xfrm>
+          <a:prstGeom prst="rect">
+            <a:avLst/>
+          </a:prstGeom>
+          <a:noFill/>
+        </p:spPr>
+        <p:txBody>
+          <a:bodyPr wrap="square" rtlCol="0">
+            <a:spAutoFit/>
+          </a:bodyPr>
+          <a:lstStyle/>
+          <a:p>
+            <a:pPr marL="285750" indent="-285750">
+              <a:buFont typeface="Arial" panose="020B0604020202020204" pitchFamily="34" charset="0"/>
+              <a:buChar char="•"/>
+            </a:pPr>
+            <a:r>
+              <a:rPr lang="de-DE" dirty="0"/>
+              <a:t>PCB-File überprüfen und bestellen</a:t>
+            </a:r>
+          </a:p>
+          <a:p>
+            <a:pPr marL="285750" indent="-285750">
+              <a:buFont typeface="Arial" panose="020B0604020202020204" pitchFamily="34" charset="0"/>
+              <a:buChar char="•"/>
+            </a:pPr>
+            <a:r>
+              <a:rPr lang="de-DE" dirty="0"/>
+              <a:t>Zusammengeführten Code testen</a:t>
+            </a:r>
+          </a:p>
+          <a:p>
+            <a:pPr marL="285750" indent="-285750">
+              <a:buFont typeface="Arial" panose="020B0604020202020204" pitchFamily="34" charset="0"/>
+              <a:buChar char="•"/>
+            </a:pPr>
+            <a:r>
+              <a:rPr lang="de-DE" dirty="0"/>
+              <a:t>Hülle mit CAD-Programm designen und drucken lassen</a:t>
+            </a:r>
+          </a:p>
+          <a:p>
+            <a:pPr marL="285750" indent="-285750">
+              <a:buFont typeface="Arial" panose="020B0604020202020204" pitchFamily="34" charset="0"/>
+              <a:buChar char="•"/>
+            </a:pPr>
+            <a:r>
+              <a:rPr lang="de-DE" dirty="0"/>
+              <a:t>EI-Wiki-Eintrag schreiben</a:t>
+            </a:r>
+          </a:p>
+        </p:txBody>
+      </p:sp>
+    </p:spTree>
+    <p:extLst>
+      <p:ext uri="{BB962C8B-B14F-4D97-AF65-F5344CB8AC3E}">
+        <p14:creationId xmlns:p14="http://schemas.microsoft.com/office/powerpoint/2010/main" xmlns="" val="1857203349"/>
       </p:ext>
     </p:extLst>
   </p:cSld>
@@ -6553,7 +7450,7 @@
           <a:lstStyle/>
           <a:p>
             <a:r>
-              <a:rPr lang="de-DE" dirty="0" smtClean="0"/>
+              <a:rPr lang="de-DE" dirty="0"/>
               <a:t>02.07.2020</a:t>
             </a:r>
           </a:p>
@@ -6575,7 +7472,7 @@
           <a:lstStyle/>
           <a:p>
             <a:r>
-              <a:rPr lang="de-DE" smtClean="0"/>
+              <a:rPr lang="de-DE"/>
               <a:t>S. </a:t>
             </a:r>
             <a:fld id="{D7EFD9E5-FB44-4C01-A2C2-48348664E7CC}" type="slidenum">
@@ -6622,10 +7519,9 @@
           <a:lstStyle/>
           <a:p>
             <a:r>
-              <a:rPr lang="de-DE" dirty="0" smtClean="0"/>
+              <a:rPr lang="de-DE" dirty="0"/>
               <a:t>Gliederung</a:t>
             </a:r>
-            <a:endParaRPr lang="de-DE" dirty="0"/>
           </a:p>
         </p:txBody>
       </p:sp>
@@ -6656,9 +7552,10 @@
               <a:buChar char="•"/>
             </a:pPr>
             <a:r>
-              <a:rPr lang="de-DE" dirty="0" smtClean="0"/>
-              <a:t>Allgemeine Erklärung zum Projekt</a:t>
-            </a:r>
+              <a:rPr lang="de-DE" smtClean="0"/>
+              <a:t>Zielsetzung des Projekts</a:t>
+            </a:r>
+            <a:endParaRPr lang="de-DE" dirty="0"/>
           </a:p>
           <a:p>
             <a:pPr marL="285750" indent="-285750">
@@ -6666,10 +7563,9 @@
               <a:buChar char="•"/>
             </a:pPr>
             <a:r>
-              <a:rPr lang="de-DE" dirty="0" smtClean="0"/>
+              <a:rPr lang="de-DE" dirty="0"/>
               <a:t>STM32G031J6M6</a:t>
             </a:r>
-            <a:endParaRPr lang="de-DE" dirty="0" smtClean="0"/>
           </a:p>
           <a:p>
             <a:pPr marL="285750" indent="-285750">
@@ -6677,10 +7573,10 @@
               <a:buChar char="•"/>
             </a:pPr>
             <a:r>
-              <a:rPr lang="de-DE" dirty="0" err="1" smtClean="0"/>
+              <a:rPr lang="de-DE" dirty="0" err="1"/>
               <a:t>LED‘s</a:t>
             </a:r>
-            <a:endParaRPr lang="de-DE" dirty="0" smtClean="0"/>
+            <a:endParaRPr lang="de-DE" dirty="0"/>
           </a:p>
           <a:p>
             <a:pPr marL="285750" indent="-285750">
@@ -6688,7 +7584,7 @@
               <a:buChar char="•"/>
             </a:pPr>
             <a:r>
-              <a:rPr lang="de-DE" dirty="0" smtClean="0"/>
+              <a:rPr lang="de-DE" dirty="0"/>
               <a:t>Kapazitiver Sensor</a:t>
             </a:r>
           </a:p>
@@ -6698,7 +7594,7 @@
               <a:buChar char="•"/>
             </a:pPr>
             <a:r>
-              <a:rPr lang="de-DE" dirty="0" smtClean="0"/>
+              <a:rPr lang="de-DE" dirty="0"/>
               <a:t>Energiesparmodus</a:t>
             </a:r>
           </a:p>
@@ -6708,10 +7604,9 @@
               <a:buChar char="•"/>
             </a:pPr>
             <a:r>
-              <a:rPr lang="de-DE" dirty="0" smtClean="0"/>
+              <a:rPr lang="de-DE" dirty="0"/>
               <a:t>Schaltplan und Layout</a:t>
             </a:r>
-            <a:endParaRPr lang="de-DE" dirty="0" smtClean="0"/>
           </a:p>
           <a:p>
             <a:pPr marL="285750" indent="-285750">
@@ -6719,15 +7614,15 @@
               <a:buChar char="•"/>
             </a:pPr>
             <a:r>
-              <a:rPr lang="de-DE" dirty="0" smtClean="0"/>
+              <a:rPr lang="de-DE" dirty="0"/>
               <a:t>Jetziger Stand und </a:t>
             </a:r>
             <a:r>
-              <a:rPr lang="de-DE" dirty="0" err="1" smtClean="0"/>
+              <a:rPr lang="de-DE" dirty="0" err="1"/>
               <a:t>To</a:t>
             </a:r>
             <a:r>
-              <a:rPr lang="de-DE" dirty="0" smtClean="0"/>
+              <a:rPr lang="de-DE" dirty="0"/>
               <a:t>-dos</a:t>
             </a:r>
           </a:p>
@@ -6743,7 +7638,7 @@
     </p:spTree>
     <p:extLst>
       <p:ext uri="{BB962C8B-B14F-4D97-AF65-F5344CB8AC3E}">
-        <p14:creationId xmlns:p14="http://schemas.microsoft.com/office/powerpoint/2010/main" val="1320007939"/>
+        <p14:creationId xmlns:p14="http://schemas.microsoft.com/office/powerpoint/2010/main" xmlns="" val="1320007939"/>
       </p:ext>
     </p:extLst>
   </p:cSld>
@@ -6772,24 +7667,34 @@
       </p:grpSpPr>
       <p:sp>
         <p:nvSpPr>
-          <p:cNvPr id="2" name="Bildplatzhalter 1"/>
-          <p:cNvSpPr>
-            <a:spLocks noGrp="1"/>
-          </p:cNvSpPr>
-          <p:nvPr>
-            <p:ph type="pic" sz="quarter" idx="13"/>
+          <p:cNvPr id="4" name="Datumsplatzhalter 3"/>
+          <p:cNvSpPr>
+            <a:spLocks noGrp="1"/>
+          </p:cNvSpPr>
+          <p:nvPr>
+            <p:ph type="dt" sz="half" idx="10"/>
           </p:nvPr>
         </p:nvSpPr>
         <p:spPr/>
-      </p:sp>
-      <p:sp>
-        <p:nvSpPr>
-          <p:cNvPr id="3" name="Untertitel 2"/>
-          <p:cNvSpPr>
-            <a:spLocks noGrp="1"/>
-          </p:cNvSpPr>
-          <p:nvPr>
-            <p:ph type="subTitle" idx="1"/>
+        <p:txBody>
+          <a:bodyPr/>
+          <a:lstStyle/>
+          <a:p>
+            <a:r>
+              <a:rPr lang="de-DE" dirty="0"/>
+              <a:t>02.07.2020</a:t>
+            </a:r>
+          </a:p>
+        </p:txBody>
+      </p:sp>
+      <p:sp>
+        <p:nvSpPr>
+          <p:cNvPr id="6" name="Foliennummernplatzhalter 5"/>
+          <p:cNvSpPr>
+            <a:spLocks noGrp="1"/>
+          </p:cNvSpPr>
+          <p:nvPr>
+            <p:ph type="sldNum" sz="quarter" idx="12"/>
           </p:nvPr>
         </p:nvSpPr>
         <p:spPr/>
@@ -6797,77 +7702,8 @@
           <a:bodyPr/>
           <a:lstStyle/>
           <a:p>
-            <a:endParaRPr lang="de-DE"/>
-          </a:p>
-        </p:txBody>
-      </p:sp>
-      <p:sp>
-        <p:nvSpPr>
-          <p:cNvPr id="4" name="Datumsplatzhalter 3"/>
-          <p:cNvSpPr>
-            <a:spLocks noGrp="1"/>
-          </p:cNvSpPr>
-          <p:nvPr>
-            <p:ph type="dt" sz="half" idx="10"/>
-          </p:nvPr>
-        </p:nvSpPr>
-        <p:spPr/>
-        <p:txBody>
-          <a:bodyPr/>
-          <a:lstStyle/>
-          <a:p>
-            <a:r>
-              <a:rPr lang="de-DE" dirty="0" smtClean="0"/>
-              <a:t>02</a:t>
-            </a:r>
-            <a:r>
-              <a:rPr lang="de-DE" dirty="0" smtClean="0"/>
-              <a:t>.07.2020</a:t>
-            </a:r>
-            <a:endParaRPr lang="de-DE" dirty="0"/>
-          </a:p>
-        </p:txBody>
-      </p:sp>
-      <p:sp>
-        <p:nvSpPr>
-          <p:cNvPr id="5" name="Fußzeilenplatzhalter 4"/>
-          <p:cNvSpPr>
-            <a:spLocks noGrp="1"/>
-          </p:cNvSpPr>
-          <p:nvPr>
-            <p:ph type="ftr" sz="quarter" idx="11"/>
-          </p:nvPr>
-        </p:nvSpPr>
-        <p:spPr/>
-        <p:txBody>
-          <a:bodyPr/>
-          <a:lstStyle/>
-          <a:p>
-            <a:r>
-              <a:rPr lang="de-DE" smtClean="0"/>
-              <a:t>Vorlagen PPT der OTH Regensburg - Format 16x9</a:t>
-            </a:r>
-            <a:endParaRPr lang="de-DE" dirty="0"/>
-          </a:p>
-        </p:txBody>
-      </p:sp>
-      <p:sp>
-        <p:nvSpPr>
-          <p:cNvPr id="6" name="Foliennummernplatzhalter 5"/>
-          <p:cNvSpPr>
-            <a:spLocks noGrp="1"/>
-          </p:cNvSpPr>
-          <p:nvPr>
-            <p:ph type="sldNum" sz="quarter" idx="12"/>
-          </p:nvPr>
-        </p:nvSpPr>
-        <p:spPr/>
-        <p:txBody>
-          <a:bodyPr/>
-          <a:lstStyle/>
-          <a:p>
-            <a:r>
-              <a:rPr lang="de-DE" smtClean="0"/>
+            <a:r>
+              <a:rPr lang="de-DE"/>
               <a:t>S. </a:t>
             </a:r>
             <a:fld id="{D7EFD9E5-FB44-4C01-A2C2-48348664E7CC}" type="slidenum">
@@ -6914,17 +7750,85 @@
           <a:lstStyle/>
           <a:p>
             <a:r>
-              <a:rPr lang="de-DE" dirty="0" smtClean="0"/>
+              <a:rPr lang="de-DE" dirty="0"/>
               <a:t>Zielsetzung des Projekts</a:t>
             </a:r>
-            <a:endParaRPr lang="de-DE" dirty="0"/>
+          </a:p>
+        </p:txBody>
+      </p:sp>
+      <p:sp>
+        <p:nvSpPr>
+          <p:cNvPr id="9" name="Textfeld 8">
+            <a:extLst>
+              <a:ext uri="{FF2B5EF4-FFF2-40B4-BE49-F238E27FC236}">
+                <a16:creationId xmlns:a16="http://schemas.microsoft.com/office/drawing/2014/main" xmlns="" id="{5522C6CD-875E-497B-B0CB-7C1772871D12}"/>
+              </a:ext>
+            </a:extLst>
+          </p:cNvPr>
+          <p:cNvSpPr txBox="1"/>
+          <p:nvPr/>
+        </p:nvSpPr>
+        <p:spPr>
+          <a:xfrm>
+            <a:off x="280800" y="1087122"/>
+            <a:ext cx="7243528" cy="954107"/>
+          </a:xfrm>
+          <a:prstGeom prst="rect">
+            <a:avLst/>
+          </a:prstGeom>
+          <a:noFill/>
+        </p:spPr>
+        <p:txBody>
+          <a:bodyPr wrap="square" rtlCol="0">
+            <a:spAutoFit/>
+          </a:bodyPr>
+          <a:lstStyle/>
+          <a:p>
+            <a:pPr marL="285750" indent="-285750">
+              <a:buFont typeface="Arial" panose="020B0604020202020204" pitchFamily="34" charset="0"/>
+              <a:buChar char="•"/>
+            </a:pPr>
+            <a:r>
+              <a:rPr lang="de-DE" dirty="0"/>
+              <a:t>Ampelschaltung mit STM32G031J6M6</a:t>
+            </a:r>
+          </a:p>
+          <a:p>
+            <a:pPr marL="285750" indent="-285750">
+              <a:buFont typeface="Arial" panose="020B0604020202020204" pitchFamily="34" charset="0"/>
+              <a:buChar char="•"/>
+            </a:pPr>
+            <a:r>
+              <a:rPr lang="de-DE" dirty="0"/>
+              <a:t>Zyklisches Weiterschalten</a:t>
+            </a:r>
+          </a:p>
+          <a:p>
+            <a:pPr marL="285750" indent="-285750">
+              <a:buFont typeface="Arial" panose="020B0604020202020204" pitchFamily="34" charset="0"/>
+              <a:buChar char="•"/>
+            </a:pPr>
+            <a:r>
+              <a:rPr lang="de-DE" dirty="0"/>
+              <a:t>minimalistische Auslegung</a:t>
+            </a:r>
+          </a:p>
+          <a:p>
+            <a:pPr marL="285750" indent="-285750">
+              <a:buFont typeface="Arial" panose="020B0604020202020204" pitchFamily="34" charset="0"/>
+              <a:buChar char="•"/>
+            </a:pPr>
+            <a:r>
+              <a:rPr lang="de-DE" dirty="0"/>
+              <a:t>Knopfzellenbetrieb</a:t>
+            </a:r>
           </a:p>
         </p:txBody>
       </p:sp>
     </p:spTree>
     <p:extLst>
       <p:ext uri="{BB962C8B-B14F-4D97-AF65-F5344CB8AC3E}">
-        <p14:creationId xmlns:p14="http://schemas.microsoft.com/office/powerpoint/2010/main" val="974581251"/>
+        <p14:creationId xmlns:p14="http://schemas.microsoft.com/office/powerpoint/2010/main" xmlns="" val="974581251"/>
       </p:ext>
     </p:extLst>
   </p:cSld>
@@ -6971,35 +7875,183 @@
           <a:bodyPr/>
           <a:lstStyle/>
           <a:p>
-            <a:pPr marL="285750" indent="-285750">
+            <a:pPr marL="342900" indent="-342900">
               <a:buFont typeface="Arial" panose="020B0604020202020204" pitchFamily="34" charset="0"/>
               <a:buChar char="•"/>
             </a:pPr>
             <a:r>
-              <a:rPr lang="de-DE" dirty="0" smtClean="0"/>
-              <a:t>Was kann er alles</a:t>
-            </a:r>
-          </a:p>
-          <a:p>
-            <a:pPr marL="285750" indent="-285750">
+              <a:rPr lang="de-DE" dirty="0">
+                <a:solidFill>
+                  <a:schemeClr val="tx1"/>
+                </a:solidFill>
+              </a:rPr>
+              <a:t>Was kann er?</a:t>
+            </a:r>
+          </a:p>
+          <a:p>
+            <a:r>
+              <a:rPr lang="de-DE" dirty="0">
+                <a:solidFill>
+                  <a:schemeClr val="tx1"/>
+                </a:solidFill>
+              </a:rPr>
+              <a:t>	- Core: ARM 32-Bit Cortex –M0+ CPU</a:t>
+            </a:r>
+          </a:p>
+          <a:p>
+            <a:r>
+              <a:rPr lang="de-DE" dirty="0">
+                <a:solidFill>
+                  <a:schemeClr val="tx1"/>
+                </a:solidFill>
+              </a:rPr>
+              <a:t>	- Power: 1.7 </a:t>
+            </a:r>
+            <a:r>
+              <a:rPr lang="de-DE" dirty="0" err="1">
+                <a:solidFill>
+                  <a:schemeClr val="tx1"/>
+                </a:solidFill>
+              </a:rPr>
+              <a:t>to</a:t>
+            </a:r>
+            <a:r>
+              <a:rPr lang="de-DE" dirty="0">
+                <a:solidFill>
+                  <a:schemeClr val="tx1"/>
+                </a:solidFill>
+              </a:rPr>
+              <a:t> 3.6V</a:t>
+            </a:r>
+          </a:p>
+          <a:p>
+            <a:r>
+              <a:rPr lang="de-DE" dirty="0">
+                <a:solidFill>
+                  <a:schemeClr val="tx1"/>
+                </a:solidFill>
+              </a:rPr>
+              <a:t>	- 4 </a:t>
+            </a:r>
+            <a:r>
+              <a:rPr lang="de-DE" dirty="0" err="1">
+                <a:solidFill>
+                  <a:schemeClr val="tx1"/>
+                </a:solidFill>
+              </a:rPr>
+              <a:t>oscillator</a:t>
+            </a:r>
+            <a:endParaRPr lang="de-DE" dirty="0">
+              <a:solidFill>
+                <a:schemeClr val="tx1"/>
+              </a:solidFill>
+            </a:endParaRPr>
+          </a:p>
+          <a:p>
+            <a:r>
+              <a:rPr lang="de-DE" dirty="0">
+                <a:solidFill>
+                  <a:schemeClr val="tx1"/>
+                </a:solidFill>
+              </a:rPr>
+              <a:t>	- DMA </a:t>
+            </a:r>
+            <a:r>
+              <a:rPr lang="de-DE" dirty="0" err="1">
+                <a:solidFill>
+                  <a:schemeClr val="tx1"/>
+                </a:solidFill>
+              </a:rPr>
+              <a:t>controller</a:t>
+            </a:r>
+            <a:endParaRPr lang="de-DE" dirty="0">
+              <a:solidFill>
+                <a:schemeClr val="tx1"/>
+              </a:solidFill>
+            </a:endParaRPr>
+          </a:p>
+          <a:p>
+            <a:r>
+              <a:rPr lang="de-DE" dirty="0">
+                <a:solidFill>
+                  <a:schemeClr val="tx1"/>
+                </a:solidFill>
+              </a:rPr>
+              <a:t>	- ADC</a:t>
+            </a:r>
+          </a:p>
+          <a:p>
+            <a:r>
+              <a:rPr lang="de-DE" dirty="0">
+                <a:solidFill>
+                  <a:schemeClr val="tx1"/>
+                </a:solidFill>
+              </a:rPr>
+              <a:t>	- 11 </a:t>
+            </a:r>
+            <a:r>
+              <a:rPr lang="de-DE" dirty="0" err="1">
+                <a:solidFill>
+                  <a:schemeClr val="tx1"/>
+                </a:solidFill>
+              </a:rPr>
+              <a:t>timers</a:t>
+            </a:r>
+            <a:endParaRPr lang="de-DE" dirty="0">
+              <a:solidFill>
+                <a:schemeClr val="tx1"/>
+              </a:solidFill>
+            </a:endParaRPr>
+          </a:p>
+          <a:p>
+            <a:r>
+              <a:rPr lang="de-DE" dirty="0">
+                <a:solidFill>
+                  <a:schemeClr val="tx1"/>
+                </a:solidFill>
+              </a:rPr>
+              <a:t>	- </a:t>
+            </a:r>
+            <a:r>
+              <a:rPr lang="de-DE" dirty="0" err="1">
+                <a:solidFill>
+                  <a:schemeClr val="tx1"/>
+                </a:solidFill>
+              </a:rPr>
+              <a:t>communication</a:t>
+            </a:r>
+            <a:r>
+              <a:rPr lang="de-DE" dirty="0">
+                <a:solidFill>
+                  <a:schemeClr val="tx1"/>
+                </a:solidFill>
+              </a:rPr>
+              <a:t> </a:t>
+            </a:r>
+            <a:r>
+              <a:rPr lang="de-DE" dirty="0" err="1">
+                <a:solidFill>
+                  <a:schemeClr val="tx1"/>
+                </a:solidFill>
+              </a:rPr>
+              <a:t>interfaces</a:t>
+            </a:r>
+            <a:endParaRPr lang="de-DE" dirty="0">
+              <a:solidFill>
+                <a:schemeClr val="tx1"/>
+              </a:solidFill>
+            </a:endParaRPr>
+          </a:p>
+          <a:p>
+            <a:pPr marL="342900" indent="-342900">
               <a:buFont typeface="Arial" panose="020B0604020202020204" pitchFamily="34" charset="0"/>
               <a:buChar char="•"/>
             </a:pPr>
-            <a:r>
-              <a:rPr lang="de-DE" dirty="0" smtClean="0"/>
-              <a:t>8pins</a:t>
-            </a:r>
-          </a:p>
-          <a:p>
-            <a:pPr marL="285750" indent="-285750">
-              <a:buFont typeface="Arial" panose="020B0604020202020204" pitchFamily="34" charset="0"/>
-              <a:buChar char="•"/>
-            </a:pPr>
-            <a:r>
-              <a:rPr lang="de-DE" dirty="0" smtClean="0"/>
-              <a:t>Probleme</a:t>
-            </a:r>
-            <a:endParaRPr lang="de-DE" dirty="0"/>
+            <a:endParaRPr lang="de-DE" dirty="0">
+              <a:solidFill>
+                <a:schemeClr val="tx1"/>
+              </a:solidFill>
+            </a:endParaRPr>
           </a:p>
         </p:txBody>
       </p:sp>
@@ -7019,14 +8071,9 @@
           <a:lstStyle/>
           <a:p>
             <a:r>
-              <a:rPr lang="de-DE" dirty="0" smtClean="0"/>
-              <a:t>02</a:t>
-            </a:r>
-            <a:r>
-              <a:rPr lang="de-DE" dirty="0" smtClean="0"/>
-              <a:t>.07.2020</a:t>
-            </a:r>
-            <a:endParaRPr lang="de-DE" dirty="0"/>
+              <a:rPr lang="de-DE" dirty="0"/>
+              <a:t>02.07.2020</a:t>
+            </a:r>
           </a:p>
         </p:txBody>
       </p:sp>
@@ -7046,7 +8093,7 @@
           <a:lstStyle/>
           <a:p>
             <a:r>
-              <a:rPr lang="de-DE" smtClean="0"/>
+              <a:rPr lang="de-DE"/>
               <a:t>S. </a:t>
             </a:r>
             <a:fld id="{D7EFD9E5-FB44-4C01-A2C2-48348664E7CC}" type="slidenum">
@@ -7093,17 +8140,48 @@
           <a:lstStyle/>
           <a:p>
             <a:r>
-              <a:rPr lang="de-DE" dirty="0" smtClean="0"/>
-              <a:t>STM32G030J6M6</a:t>
-            </a:r>
-            <a:endParaRPr lang="de-DE" dirty="0"/>
-          </a:p>
-        </p:txBody>
-      </p:sp>
+              <a:rPr lang="de-DE" dirty="0"/>
+              <a:t>STM32G031J6M6</a:t>
+            </a:r>
+          </a:p>
+        </p:txBody>
+      </p:sp>
+      <p:pic>
+        <p:nvPicPr>
+          <p:cNvPr id="2050" name="Picture 2"/>
+          <p:cNvPicPr>
+            <a:picLocks noChangeAspect="1" noChangeArrowheads="1"/>
+          </p:cNvPicPr>
+          <p:nvPr/>
+        </p:nvPicPr>
+        <p:blipFill>
+          <a:blip r:embed="rId2" cstate="print"/>
+          <a:srcRect/>
+          <a:stretch>
+            <a:fillRect/>
+          </a:stretch>
+        </p:blipFill>
+        <p:spPr bwMode="auto">
+          <a:xfrm>
+            <a:off x="7812360" y="915566"/>
+            <a:ext cx="1104900" cy="3562350"/>
+          </a:xfrm>
+          <a:prstGeom prst="rect">
+            <a:avLst/>
+          </a:prstGeom>
+          <a:noFill/>
+          <a:ln w="9525">
+            <a:noFill/>
+            <a:miter lim="800000"/>
+            <a:headEnd/>
+            <a:tailEnd/>
+          </a:ln>
+        </p:spPr>
+      </p:pic>
     </p:spTree>
     <p:extLst>
       <p:ext uri="{BB962C8B-B14F-4D97-AF65-F5344CB8AC3E}">
-        <p14:creationId xmlns:p14="http://schemas.microsoft.com/office/powerpoint/2010/main" val="2474782142"/>
+        <p14:creationId xmlns:p14="http://schemas.microsoft.com/office/powerpoint/2010/main" xmlns="" val="2474782142"/>
       </p:ext>
     </p:extLst>
   </p:cSld>
@@ -7132,7 +8210,13 @@
       </p:grpSpPr>
       <p:sp>
         <p:nvSpPr>
-          <p:cNvPr id="4" name="Datumsplatzhalter 3"/>
+          <p:cNvPr id="4" name="Datumsplatzhalter 3">
+            <a:extLst>
+              <a:ext uri="{FF2B5EF4-FFF2-40B4-BE49-F238E27FC236}">
+                <a16:creationId xmlns:a16="http://schemas.microsoft.com/office/drawing/2014/main" xmlns="" id="{D379F55B-2183-4D53-B717-EA7F1D2A9A31}"/>
+              </a:ext>
+            </a:extLst>
+          </p:cNvPr>
           <p:cNvSpPr>
             <a:spLocks noGrp="1"/>
           </p:cNvSpPr>
@@ -7159,7 +8243,13 @@
       </p:sp>
       <p:sp>
         <p:nvSpPr>
-          <p:cNvPr id="6" name="Foliennummernplatzhalter 5"/>
+          <p:cNvPr id="6" name="Foliennummernplatzhalter 5">
+            <a:extLst>
+              <a:ext uri="{FF2B5EF4-FFF2-40B4-BE49-F238E27FC236}">
+                <a16:creationId xmlns:a16="http://schemas.microsoft.com/office/drawing/2014/main" xmlns="" id="{E71B789C-32B3-410B-ABF7-29E281FE5535}"/>
+              </a:ext>
+            </a:extLst>
+          </p:cNvPr>
           <p:cNvSpPr>
             <a:spLocks noGrp="1"/>
           </p:cNvSpPr>
@@ -7173,7 +8263,7 @@
           <a:lstStyle/>
           <a:p>
             <a:r>
-              <a:rPr lang="de-DE" smtClean="0"/>
+              <a:rPr lang="de-DE"/>
               <a:t>S. </a:t>
             </a:r>
             <a:fld id="{D7EFD9E5-FB44-4C01-A2C2-48348664E7CC}" type="slidenum">
@@ -7187,7 +8277,13 @@
       </p:sp>
       <p:sp>
         <p:nvSpPr>
-          <p:cNvPr id="7" name="Titel 6"/>
+          <p:cNvPr id="7" name="Titel 6">
+            <a:extLst>
+              <a:ext uri="{FF2B5EF4-FFF2-40B4-BE49-F238E27FC236}">
+                <a16:creationId xmlns:a16="http://schemas.microsoft.com/office/drawing/2014/main" xmlns="" id="{D42B5293-CE3E-4990-9861-D6304C69B52C}"/>
+              </a:ext>
+            </a:extLst>
+          </p:cNvPr>
           <p:cNvSpPr>
             <a:spLocks noGrp="1"/>
           </p:cNvSpPr>
@@ -7206,37 +8302,20 @@
       </p:sp>
       <p:sp>
         <p:nvSpPr>
-          <p:cNvPr id="8" name="Textplatzhalter 7"/>
-          <p:cNvSpPr>
-            <a:spLocks noGrp="1"/>
-          </p:cNvSpPr>
-          <p:nvPr>
-            <p:ph type="body" sz="quarter" idx="14"/>
-          </p:nvPr>
-        </p:nvSpPr>
-        <p:spPr/>
-        <p:txBody>
-          <a:bodyPr/>
-          <a:lstStyle/>
-          <a:p>
-            <a:r>
-              <a:rPr lang="de-DE" dirty="0" err="1" smtClean="0"/>
-              <a:t>Led‘s</a:t>
-            </a:r>
-            <a:endParaRPr lang="de-DE" dirty="0"/>
-          </a:p>
-        </p:txBody>
-      </p:sp>
-      <p:sp>
-        <p:nvSpPr>
-          <p:cNvPr id="9" name="Textfeld 8"/>
+          <p:cNvPr id="9" name="Textfeld 8">
+            <a:extLst>
+              <a:ext uri="{FF2B5EF4-FFF2-40B4-BE49-F238E27FC236}">
+                <a16:creationId xmlns:a16="http://schemas.microsoft.com/office/drawing/2014/main" xmlns="" id="{DC2EBD93-0A29-4D13-8937-5E5E97458ED2}"/>
+              </a:ext>
+            </a:extLst>
+          </p:cNvPr>
           <p:cNvSpPr txBox="1"/>
           <p:nvPr/>
         </p:nvSpPr>
         <p:spPr>
           <a:xfrm>
-            <a:off x="281258" y="1087122"/>
-            <a:ext cx="8567542" cy="738664"/>
+            <a:off x="280800" y="771550"/>
+            <a:ext cx="8568000" cy="3323987"/>
           </a:xfrm>
           <a:prstGeom prst="rect">
             <a:avLst/>
@@ -7249,55 +8328,112 @@
           </a:bodyPr>
           <a:lstStyle/>
           <a:p>
-            <a:pPr marL="285750" indent="-285750">
+            <a:pPr marL="342900" indent="-342900">
               <a:buFont typeface="Arial" panose="020B0604020202020204" pitchFamily="34" charset="0"/>
               <a:buChar char="•"/>
             </a:pPr>
             <a:r>
-              <a:rPr lang="de-DE" dirty="0" smtClean="0"/>
-              <a:t>RGB-</a:t>
-            </a:r>
-            <a:r>
-              <a:rPr lang="de-DE" dirty="0" err="1" smtClean="0"/>
-              <a:t>Led‘s</a:t>
-            </a:r>
-            <a:endParaRPr lang="de-DE" dirty="0" smtClean="0"/>
-          </a:p>
-          <a:p>
-            <a:pPr marL="285750" indent="-285750">
+              <a:rPr lang="de-DE" dirty="0"/>
+              <a:t>8-Pin-Bauweise</a:t>
+            </a:r>
+          </a:p>
+          <a:p>
+            <a:r>
+              <a:rPr lang="de-DE" dirty="0"/>
+              <a:t>	</a:t>
+            </a:r>
+          </a:p>
+          <a:p>
+            <a:r>
+              <a:rPr lang="de-DE" dirty="0"/>
+              <a:t>	</a:t>
+            </a:r>
+          </a:p>
+          <a:p>
+            <a:endParaRPr lang="de-DE" dirty="0"/>
+          </a:p>
+          <a:p>
+            <a:endParaRPr lang="de-DE" dirty="0"/>
+          </a:p>
+          <a:p>
+            <a:endParaRPr lang="de-DE" dirty="0"/>
+          </a:p>
+          <a:p>
+            <a:endParaRPr lang="de-DE" dirty="0"/>
+          </a:p>
+          <a:p>
+            <a:endParaRPr lang="de-DE" dirty="0"/>
+          </a:p>
+          <a:p>
+            <a:endParaRPr lang="de-DE" dirty="0"/>
+          </a:p>
+          <a:p>
+            <a:endParaRPr lang="de-DE" dirty="0"/>
+          </a:p>
+          <a:p>
+            <a:endParaRPr lang="de-DE" dirty="0"/>
+          </a:p>
+          <a:p>
+            <a:pPr marL="342900" indent="-342900">
               <a:buFont typeface="Arial" panose="020B0604020202020204" pitchFamily="34" charset="0"/>
               <a:buChar char="•"/>
             </a:pPr>
             <a:r>
-              <a:rPr lang="de-DE" dirty="0" smtClean="0"/>
-              <a:t>WS2812b (PWM DMA 5V </a:t>
-            </a:r>
-            <a:r>
-              <a:rPr lang="de-DE" dirty="0" err="1" smtClean="0"/>
-              <a:t>Boost</a:t>
-            </a:r>
-            <a:r>
-              <a:rPr lang="de-DE" dirty="0" smtClean="0"/>
-              <a:t> Converter)</a:t>
-            </a:r>
-          </a:p>
-          <a:p>
-            <a:pPr marL="285750" indent="-285750">
-              <a:buFont typeface="Arial" panose="020B0604020202020204" pitchFamily="34" charset="0"/>
-              <a:buChar char="•"/>
-            </a:pPr>
-            <a:r>
-              <a:rPr lang="de-DE" dirty="0" smtClean="0"/>
-              <a:t>Led-Schaltung</a:t>
-            </a:r>
-            <a:endParaRPr lang="de-DE" dirty="0"/>
-          </a:p>
-        </p:txBody>
-      </p:sp>
+              <a:rPr lang="de-DE" dirty="0"/>
+              <a:t>Probleme</a:t>
+            </a:r>
+          </a:p>
+          <a:p>
+            <a:r>
+              <a:rPr lang="de-DE" dirty="0"/>
+              <a:t>	- Boot-Pins</a:t>
+            </a:r>
+          </a:p>
+          <a:p>
+            <a:r>
+              <a:rPr lang="de-DE" dirty="0"/>
+              <a:t>	- Pin-Knappheit</a:t>
+            </a:r>
+          </a:p>
+          <a:p>
+            <a:endParaRPr lang="de-DE" dirty="0"/>
+          </a:p>
+        </p:txBody>
+      </p:sp>
+      <p:pic>
+        <p:nvPicPr>
+          <p:cNvPr id="10" name="Grafik 9">
+            <a:extLst>
+              <a:ext uri="{FF2B5EF4-FFF2-40B4-BE49-F238E27FC236}">
+                <a16:creationId xmlns:a16="http://schemas.microsoft.com/office/drawing/2014/main" xmlns="" id="{411D9A4B-7725-4183-8C43-7E7F6F832C99}"/>
+              </a:ext>
+            </a:extLst>
+          </p:cNvPr>
+          <p:cNvPicPr>
+            <a:picLocks noChangeAspect="1"/>
+          </p:cNvPicPr>
+          <p:nvPr/>
+        </p:nvPicPr>
+        <p:blipFill>
+          <a:blip r:embed="rId2" cstate="print"/>
+          <a:stretch>
+            <a:fillRect/>
+          </a:stretch>
+        </p:blipFill>
+        <p:spPr>
+          <a:xfrm>
+            <a:off x="1391954" y="1275606"/>
+            <a:ext cx="6792140" cy="1557596"/>
+          </a:xfrm>
+          <a:prstGeom prst="rect">
+            <a:avLst/>
+          </a:prstGeom>
+        </p:spPr>
+      </p:pic>
     </p:spTree>
     <p:extLst>
       <p:ext uri="{BB962C8B-B14F-4D97-AF65-F5344CB8AC3E}">
-        <p14:creationId xmlns:p14="http://schemas.microsoft.com/office/powerpoint/2010/main" val="3675059920"/>
+        <p14:creationId xmlns:p14="http://schemas.microsoft.com/office/powerpoint/2010/main" xmlns="" val="3568783155"/>
       </p:ext>
     </p:extLst>
   </p:cSld>
@@ -7340,14 +8476,9 @@
           <a:lstStyle/>
           <a:p>
             <a:r>
-              <a:rPr lang="de-DE" dirty="0" smtClean="0"/>
-              <a:t>02</a:t>
-            </a:r>
-            <a:r>
-              <a:rPr lang="de-DE" dirty="0" smtClean="0"/>
-              <a:t>.07.2020</a:t>
-            </a:r>
-            <a:endParaRPr lang="de-DE" dirty="0"/>
+              <a:rPr lang="de-DE" dirty="0"/>
+              <a:t>02.07.2020</a:t>
+            </a:r>
           </a:p>
         </p:txBody>
       </p:sp>
@@ -7367,7 +8498,7 @@
           <a:lstStyle/>
           <a:p>
             <a:r>
-              <a:rPr lang="de-DE" smtClean="0"/>
+              <a:rPr lang="de-DE"/>
               <a:t>S. </a:t>
             </a:r>
             <a:fld id="{D7EFD9E5-FB44-4C01-A2C2-48348664E7CC}" type="slidenum">
@@ -7414,23 +8545,23 @@
           <a:lstStyle/>
           <a:p>
             <a:r>
-              <a:rPr lang="de-DE" dirty="0" smtClean="0"/>
-              <a:t>Kapazitiver Sensor</a:t>
-            </a:r>
-            <a:endParaRPr lang="de-DE" dirty="0"/>
-          </a:p>
-        </p:txBody>
-      </p:sp>
-      <p:sp>
-        <p:nvSpPr>
-          <p:cNvPr id="10" name="Textfeld 9"/>
+              <a:rPr lang="de-DE" dirty="0" err="1"/>
+              <a:t>LED‘s</a:t>
+            </a:r>
+            <a:endParaRPr lang="de-DE" dirty="0"/>
+          </a:p>
+        </p:txBody>
+      </p:sp>
+      <p:sp>
+        <p:nvSpPr>
+          <p:cNvPr id="9" name="Textfeld 8"/>
           <p:cNvSpPr txBox="1"/>
           <p:nvPr/>
         </p:nvSpPr>
         <p:spPr>
           <a:xfrm>
-            <a:off x="281258" y="1087122"/>
-            <a:ext cx="8567542" cy="1384995"/>
+            <a:off x="295200" y="1092507"/>
+            <a:ext cx="8567542" cy="3539430"/>
           </a:xfrm>
           <a:prstGeom prst="rect">
             <a:avLst/>
@@ -7443,45 +8574,33 @@
           </a:bodyPr>
           <a:lstStyle/>
           <a:p>
-            <a:r>
-              <a:rPr lang="de-DE" dirty="0" smtClean="0"/>
-              <a:t>Varianten:</a:t>
-            </a:r>
-          </a:p>
-          <a:p>
             <a:pPr marL="285750" indent="-285750">
               <a:buFont typeface="Arial" panose="020B0604020202020204" pitchFamily="34" charset="0"/>
               <a:buChar char="•"/>
             </a:pPr>
             <a:r>
-              <a:rPr lang="de-DE" dirty="0" smtClean="0"/>
-              <a:t>Komparator</a:t>
-            </a:r>
+              <a:rPr lang="de-DE" dirty="0"/>
+              <a:t>RGB-</a:t>
+            </a:r>
+            <a:r>
+              <a:rPr lang="de-DE" dirty="0" err="1"/>
+              <a:t>LED‘s</a:t>
+            </a:r>
+            <a:endParaRPr lang="de-DE" dirty="0"/>
           </a:p>
           <a:p>
             <a:pPr marL="285750" indent="-285750">
               <a:buFont typeface="Arial" panose="020B0604020202020204" pitchFamily="34" charset="0"/>
               <a:buChar char="•"/>
             </a:pPr>
-            <a:r>
-              <a:rPr lang="de-DE" dirty="0" smtClean="0"/>
-              <a:t>ADC</a:t>
-            </a:r>
+            <a:endParaRPr lang="de-DE" dirty="0"/>
           </a:p>
           <a:p>
             <a:pPr marL="285750" indent="-285750">
               <a:buFont typeface="Arial" panose="020B0604020202020204" pitchFamily="34" charset="0"/>
               <a:buChar char="•"/>
             </a:pPr>
-            <a:r>
-              <a:rPr lang="de-DE" dirty="0" smtClean="0"/>
-              <a:t>Sende- und </a:t>
-            </a:r>
-            <a:r>
-              <a:rPr lang="de-DE" dirty="0" err="1" smtClean="0"/>
-              <a:t>Empfangspin</a:t>
-            </a:r>
-            <a:endParaRPr lang="de-DE" dirty="0" smtClean="0"/>
+            <a:endParaRPr lang="de-DE" dirty="0"/>
           </a:p>
           <a:p>
             <a:pPr marL="285750" indent="-285750">
@@ -7491,48 +8610,222 @@
             <a:endParaRPr lang="de-DE" dirty="0"/>
           </a:p>
           <a:p>
+            <a:pPr marL="285750" indent="-285750">
+              <a:buFont typeface="Arial" panose="020B0604020202020204" pitchFamily="34" charset="0"/>
+              <a:buChar char="•"/>
+            </a:pPr>
+            <a:endParaRPr lang="de-DE" dirty="0"/>
+          </a:p>
+          <a:p>
+            <a:pPr marL="285750" indent="-285750">
+              <a:buFont typeface="Arial" panose="020B0604020202020204" pitchFamily="34" charset="0"/>
+              <a:buChar char="•"/>
+            </a:pPr>
+            <a:endParaRPr lang="de-DE" dirty="0"/>
+          </a:p>
+          <a:p>
+            <a:pPr marL="285750" indent="-285750">
+              <a:buFont typeface="Arial" panose="020B0604020202020204" pitchFamily="34" charset="0"/>
+              <a:buChar char="•"/>
+            </a:pPr>
+            <a:endParaRPr lang="de-DE" dirty="0"/>
+          </a:p>
+          <a:p>
+            <a:pPr marL="285750" indent="-285750">
+              <a:buFont typeface="Arial" panose="020B0604020202020204" pitchFamily="34" charset="0"/>
+              <a:buChar char="•"/>
+            </a:pPr>
             <a:r>
               <a:rPr lang="de-DE" dirty="0" smtClean="0"/>
-              <a:t>Funktionsweise:</a:t>
-            </a:r>
+              <a:t>WS2812b</a:t>
+            </a:r>
+            <a:endParaRPr lang="de-DE" dirty="0"/>
+          </a:p>
+          <a:p>
+            <a:r>
+              <a:rPr lang="de-DE" dirty="0"/>
+              <a:t>	- Versorgung 5V -&gt; Boost Converter</a:t>
+            </a:r>
+          </a:p>
+          <a:p>
+            <a:r>
+              <a:rPr lang="de-DE" dirty="0"/>
+              <a:t>	- DMA Auslesung</a:t>
+            </a:r>
+          </a:p>
+          <a:p>
+            <a:r>
+              <a:rPr lang="de-DE" dirty="0"/>
+              <a:t>	- PWM Ansteuerung seriell</a:t>
+            </a:r>
+          </a:p>
+          <a:p>
+            <a:endParaRPr lang="de-DE" dirty="0"/>
+          </a:p>
+          <a:p>
+            <a:pPr marL="285750" indent="-285750">
+              <a:buFont typeface="Arial" panose="020B0604020202020204" pitchFamily="34" charset="0"/>
+              <a:buChar char="•"/>
+            </a:pPr>
+            <a:r>
+              <a:rPr lang="de-DE" dirty="0"/>
+              <a:t>Led-Schaltung</a:t>
+            </a:r>
+          </a:p>
+          <a:p>
+            <a:r>
+              <a:rPr lang="de-DE" dirty="0"/>
+              <a:t>	- Ansteuerung mehrerer </a:t>
+            </a:r>
+            <a:r>
+              <a:rPr lang="de-DE" dirty="0" err="1"/>
+              <a:t>LED‘s</a:t>
+            </a:r>
+            <a:r>
+              <a:rPr lang="de-DE" dirty="0"/>
+              <a:t> mit wenig Pins</a:t>
+            </a:r>
+          </a:p>
+          <a:p>
+            <a:pPr marL="285750" indent="-285750">
+              <a:buFont typeface="Arial" panose="020B0604020202020204" pitchFamily="34" charset="0"/>
+              <a:buChar char="•"/>
+            </a:pPr>
+            <a:endParaRPr lang="de-DE" dirty="0"/>
+          </a:p>
+          <a:p>
+            <a:pPr marL="285750" indent="-285750">
+              <a:buFont typeface="Arial" panose="020B0604020202020204" pitchFamily="34" charset="0"/>
+              <a:buChar char="•"/>
+            </a:pPr>
             <a:endParaRPr lang="de-DE" dirty="0"/>
           </a:p>
         </p:txBody>
       </p:sp>
       <p:pic>
         <p:nvPicPr>
-          <p:cNvPr id="11" name="Grafik 10"/>
+          <p:cNvPr id="2" name="Grafik 1">
+            <a:extLst>
+              <a:ext uri="{FF2B5EF4-FFF2-40B4-BE49-F238E27FC236}">
+                <a16:creationId xmlns:a16="http://schemas.microsoft.com/office/drawing/2014/main" xmlns="" id="{98618247-3CA8-4213-8F1F-3FE8543B3989}"/>
+              </a:ext>
+            </a:extLst>
+          </p:cNvPr>
           <p:cNvPicPr>
             <a:picLocks noChangeAspect="1"/>
           </p:cNvPicPr>
           <p:nvPr/>
         </p:nvPicPr>
         <p:blipFill>
-          <a:blip r:embed="rId2">
-            <a:extLst>
-              <a:ext uri="{28A0092B-C50C-407E-A947-70E740481C1C}">
-                <a14:useLocalDpi xmlns:a14="http://schemas.microsoft.com/office/drawing/2010/main" val="0"/>
-              </a:ext>
-            </a:extLst>
-          </a:blip>
+          <a:blip r:embed="rId2" cstate="print"/>
           <a:stretch>
             <a:fillRect/>
           </a:stretch>
         </p:blipFill>
         <p:spPr>
           <a:xfrm>
-            <a:off x="3779912" y="1851670"/>
-            <a:ext cx="2820814" cy="2741456"/>
+            <a:off x="1547664" y="1454330"/>
+            <a:ext cx="895350" cy="914400"/>
           </a:xfrm>
           <a:prstGeom prst="rect">
             <a:avLst/>
           </a:prstGeom>
         </p:spPr>
       </p:pic>
+      <p:pic>
+        <p:nvPicPr>
+          <p:cNvPr id="3" name="Grafik 2">
+            <a:extLst>
+              <a:ext uri="{FF2B5EF4-FFF2-40B4-BE49-F238E27FC236}">
+                <a16:creationId xmlns:a16="http://schemas.microsoft.com/office/drawing/2014/main" xmlns="" id="{21CF85D4-FDC8-4B52-A3B2-4C5DBCE37C20}"/>
+              </a:ext>
+            </a:extLst>
+          </p:cNvPr>
+          <p:cNvPicPr>
+            <a:picLocks noChangeAspect="1"/>
+          </p:cNvPicPr>
+          <p:nvPr/>
+        </p:nvPicPr>
+        <p:blipFill>
+          <a:blip r:embed="rId3" cstate="print"/>
+          <a:stretch>
+            <a:fillRect/>
+          </a:stretch>
+        </p:blipFill>
+        <p:spPr>
+          <a:xfrm>
+            <a:off x="6056288" y="597785"/>
+            <a:ext cx="2016224" cy="4032448"/>
+          </a:xfrm>
+          <a:prstGeom prst="rect">
+            <a:avLst/>
+          </a:prstGeom>
+        </p:spPr>
+      </p:pic>
+      <p:sp>
+        <p:nvSpPr>
+          <p:cNvPr id="10" name="Textfeld 9"/>
+          <p:cNvSpPr txBox="1"/>
+          <p:nvPr/>
+        </p:nvSpPr>
+        <p:spPr>
+          <a:xfrm>
+            <a:off x="6228184" y="2283718"/>
+            <a:ext cx="288032" cy="307777"/>
+          </a:xfrm>
+          <a:prstGeom prst="rect">
+            <a:avLst/>
+          </a:prstGeom>
+          <a:noFill/>
+        </p:spPr>
+        <p:txBody>
+          <a:bodyPr wrap="square" rtlCol="0">
+            <a:spAutoFit/>
+          </a:bodyPr>
+          <a:lstStyle/>
+          <a:p>
+            <a:r>
+              <a:rPr lang="de-DE" dirty="0" smtClean="0"/>
+              <a:t>1</a:t>
+            </a:r>
+            <a:endParaRPr lang="de-DE" dirty="0"/>
+          </a:p>
+        </p:txBody>
+      </p:sp>
+      <p:sp>
+        <p:nvSpPr>
+          <p:cNvPr id="11" name="Textfeld 10"/>
+          <p:cNvSpPr txBox="1"/>
+          <p:nvPr/>
+        </p:nvSpPr>
+        <p:spPr>
+          <a:xfrm>
+            <a:off x="7524328" y="2571750"/>
+            <a:ext cx="288032" cy="307777"/>
+          </a:xfrm>
+          <a:prstGeom prst="rect">
+            <a:avLst/>
+          </a:prstGeom>
+          <a:noFill/>
+        </p:spPr>
+        <p:txBody>
+          <a:bodyPr wrap="square" rtlCol="0">
+            <a:spAutoFit/>
+          </a:bodyPr>
+          <a:lstStyle/>
+          <a:p>
+            <a:r>
+              <a:rPr lang="de-DE" dirty="0" smtClean="0"/>
+              <a:t>2</a:t>
+            </a:r>
+            <a:endParaRPr lang="de-DE" dirty="0"/>
+          </a:p>
+        </p:txBody>
+      </p:sp>
     </p:spTree>
     <p:extLst>
       <p:ext uri="{BB962C8B-B14F-4D97-AF65-F5344CB8AC3E}">
-        <p14:creationId xmlns:p14="http://schemas.microsoft.com/office/powerpoint/2010/main" val="3571475451"/>
+        <p14:creationId xmlns:p14="http://schemas.microsoft.com/office/powerpoint/2010/main" xmlns="" val="3675059920"/>
       </p:ext>
     </p:extLst>
   </p:cSld>
@@ -7575,14 +8868,9 @@
           <a:lstStyle/>
           <a:p>
             <a:r>
-              <a:rPr lang="de-DE" dirty="0" smtClean="0"/>
-              <a:t>02</a:t>
-            </a:r>
-            <a:r>
-              <a:rPr lang="de-DE" dirty="0" smtClean="0"/>
-              <a:t>.07.2020</a:t>
-            </a:r>
-            <a:endParaRPr lang="de-DE" dirty="0"/>
+              <a:rPr lang="de-DE" dirty="0"/>
+              <a:t>02.07.2020</a:t>
+            </a:r>
           </a:p>
         </p:txBody>
       </p:sp>
@@ -7602,7 +8890,7 @@
           <a:lstStyle/>
           <a:p>
             <a:r>
-              <a:rPr lang="de-DE" smtClean="0"/>
+              <a:rPr lang="de-DE"/>
               <a:t>S. </a:t>
             </a:r>
             <a:fld id="{D7EFD9E5-FB44-4C01-A2C2-48348664E7CC}" type="slidenum">
@@ -7649,10 +8937,9 @@
           <a:lstStyle/>
           <a:p>
             <a:r>
-              <a:rPr lang="de-DE" dirty="0" smtClean="0"/>
-              <a:t>Energiesparmodus</a:t>
-            </a:r>
-            <a:endParaRPr lang="de-DE" dirty="0"/>
+              <a:rPr lang="de-DE" dirty="0"/>
+              <a:t>Kapazitiver Sensor</a:t>
+            </a:r>
           </a:p>
         </p:txBody>
       </p:sp>
@@ -7665,7 +8952,7 @@
         <p:spPr>
           <a:xfrm>
             <a:off x="281258" y="1087122"/>
-            <a:ext cx="8567542" cy="2462213"/>
+            <a:ext cx="8567542" cy="1384995"/>
           </a:xfrm>
           <a:prstGeom prst="rect">
             <a:avLst/>
@@ -7679,8 +8966,8 @@
           <a:lstStyle/>
           <a:p>
             <a:r>
-              <a:rPr lang="de-DE" dirty="0" smtClean="0"/>
-              <a:t>Voraussetzungen:</a:t>
+              <a:rPr lang="de-DE" dirty="0"/>
+              <a:t>Varianten:</a:t>
             </a:r>
           </a:p>
           <a:p>
@@ -7689,8 +8976,8 @@
               <a:buChar char="•"/>
             </a:pPr>
             <a:r>
-              <a:rPr lang="de-DE" dirty="0" smtClean="0"/>
-              <a:t>Systemtakt verringern</a:t>
+              <a:rPr lang="de-DE" dirty="0"/>
+              <a:t>Komparator</a:t>
             </a:r>
           </a:p>
           <a:p>
@@ -7699,14 +8986,9 @@
               <a:buChar char="•"/>
             </a:pPr>
             <a:r>
-              <a:rPr lang="de-DE" dirty="0" err="1" smtClean="0"/>
-              <a:t>Regulatorspannung</a:t>
-            </a:r>
-            <a:r>
-              <a:rPr lang="de-DE" dirty="0" smtClean="0"/>
-              <a:t> muss verringert werden</a:t>
-            </a:r>
-            <a:endParaRPr lang="de-DE" dirty="0"/>
+              <a:rPr lang="de-DE" dirty="0"/>
+              <a:t>ADC</a:t>
+            </a:r>
           </a:p>
           <a:p>
             <a:pPr marL="285750" indent="-285750">
@@ -7714,9 +8996,14 @@
               <a:buChar char="•"/>
             </a:pPr>
             <a:r>
-              <a:rPr lang="de-DE" dirty="0" smtClean="0"/>
-              <a:t>Outputs sollten sich nicht verändern</a:t>
-            </a:r>
+              <a:rPr lang="de-DE" dirty="0"/>
+              <a:t>Sende- und </a:t>
+            </a:r>
+            <a:r>
+              <a:rPr lang="de-DE" dirty="0" err="1"/>
+              <a:t>Empfangspin</a:t>
+            </a:r>
+            <a:endParaRPr lang="de-DE" dirty="0"/>
           </a:p>
           <a:p>
             <a:pPr marL="285750" indent="-285750">
@@ -7727,52 +9014,46 @@
           </a:p>
           <a:p>
             <a:r>
-              <a:rPr lang="de-DE" dirty="0" smtClean="0"/>
-              <a:t>Problem:</a:t>
-            </a:r>
-          </a:p>
-          <a:p>
-            <a:pPr marL="285750" indent="-285750">
-              <a:buFont typeface="Arial" panose="020B0604020202020204" pitchFamily="34" charset="0"/>
-              <a:buChar char="•"/>
-            </a:pPr>
-            <a:r>
-              <a:rPr lang="de-DE" dirty="0" smtClean="0"/>
-              <a:t>Kapazitiver Sensor</a:t>
-            </a:r>
-          </a:p>
-          <a:p>
-            <a:pPr marL="285750" indent="-285750">
-              <a:buFont typeface="Arial" panose="020B0604020202020204" pitchFamily="34" charset="0"/>
-              <a:buChar char="•"/>
-            </a:pPr>
-            <a:endParaRPr lang="de-DE" dirty="0"/>
-          </a:p>
-          <a:p>
-            <a:r>
-              <a:rPr lang="de-DE" dirty="0" smtClean="0"/>
-              <a:t>Lösung:</a:t>
-            </a:r>
-          </a:p>
-          <a:p>
-            <a:pPr marL="285750" indent="-285750">
-              <a:buFont typeface="Arial" panose="020B0604020202020204" pitchFamily="34" charset="0"/>
-              <a:buChar char="•"/>
-            </a:pPr>
-            <a:r>
-              <a:rPr lang="de-DE" dirty="0" smtClean="0"/>
-              <a:t>Zweiter Schalter</a:t>
-            </a:r>
-          </a:p>
-          <a:p>
-            <a:endParaRPr lang="de-DE" dirty="0"/>
-          </a:p>
-        </p:txBody>
-      </p:sp>
+              <a:rPr lang="de-DE" dirty="0"/>
+              <a:t>Funktionsweise:</a:t>
+            </a:r>
+          </a:p>
+        </p:txBody>
+      </p:sp>
+      <p:pic>
+        <p:nvPicPr>
+          <p:cNvPr id="11" name="Grafik 10"/>
+          <p:cNvPicPr>
+            <a:picLocks noChangeAspect="1"/>
+          </p:cNvPicPr>
+          <p:nvPr/>
+        </p:nvPicPr>
+        <p:blipFill>
+          <a:blip r:embed="rId2" cstate="print">
+            <a:extLst>
+              <a:ext uri="{28A0092B-C50C-407E-A947-70E740481C1C}">
+                <a14:useLocalDpi xmlns:a14="http://schemas.microsoft.com/office/drawing/2010/main" xmlns="" val="0"/>
+              </a:ext>
+            </a:extLst>
+          </a:blip>
+          <a:stretch>
+            <a:fillRect/>
+          </a:stretch>
+        </p:blipFill>
+        <p:spPr>
+          <a:xfrm>
+            <a:off x="3779912" y="1851670"/>
+            <a:ext cx="2820814" cy="2741456"/>
+          </a:xfrm>
+          <a:prstGeom prst="rect">
+            <a:avLst/>
+          </a:prstGeom>
+        </p:spPr>
+      </p:pic>
     </p:spTree>
     <p:extLst>
       <p:ext uri="{BB962C8B-B14F-4D97-AF65-F5344CB8AC3E}">
-        <p14:creationId xmlns:p14="http://schemas.microsoft.com/office/powerpoint/2010/main" val="1528391062"/>
+        <p14:creationId xmlns:p14="http://schemas.microsoft.com/office/powerpoint/2010/main" xmlns="" val="3571475451"/>
       </p:ext>
     </p:extLst>
   </p:cSld>
@@ -7801,24 +9082,34 @@
       </p:grpSpPr>
       <p:sp>
         <p:nvSpPr>
-          <p:cNvPr id="2" name="Bildplatzhalter 1"/>
-          <p:cNvSpPr>
-            <a:spLocks noGrp="1"/>
-          </p:cNvSpPr>
-          <p:nvPr>
-            <p:ph type="pic" sz="quarter" idx="13"/>
+          <p:cNvPr id="4" name="Datumsplatzhalter 3"/>
+          <p:cNvSpPr>
+            <a:spLocks noGrp="1"/>
+          </p:cNvSpPr>
+          <p:nvPr>
+            <p:ph type="dt" sz="half" idx="10"/>
           </p:nvPr>
         </p:nvSpPr>
         <p:spPr/>
-      </p:sp>
-      <p:sp>
-        <p:nvSpPr>
-          <p:cNvPr id="3" name="Untertitel 2"/>
-          <p:cNvSpPr>
-            <a:spLocks noGrp="1"/>
-          </p:cNvSpPr>
-          <p:nvPr>
-            <p:ph type="subTitle" idx="1"/>
+        <p:txBody>
+          <a:bodyPr/>
+          <a:lstStyle/>
+          <a:p>
+            <a:r>
+              <a:rPr lang="de-DE" dirty="0"/>
+              <a:t>02.07.2020</a:t>
+            </a:r>
+          </a:p>
+        </p:txBody>
+      </p:sp>
+      <p:sp>
+        <p:nvSpPr>
+          <p:cNvPr id="6" name="Foliennummernplatzhalter 5"/>
+          <p:cNvSpPr>
+            <a:spLocks noGrp="1"/>
+          </p:cNvSpPr>
+          <p:nvPr>
+            <p:ph type="sldNum" sz="quarter" idx="12"/>
           </p:nvPr>
         </p:nvSpPr>
         <p:spPr/>
@@ -7826,54 +9117,8 @@
           <a:bodyPr/>
           <a:lstStyle/>
           <a:p>
-            <a:endParaRPr lang="de-DE"/>
-          </a:p>
-        </p:txBody>
-      </p:sp>
-      <p:sp>
-        <p:nvSpPr>
-          <p:cNvPr id="4" name="Datumsplatzhalter 3"/>
-          <p:cNvSpPr>
-            <a:spLocks noGrp="1"/>
-          </p:cNvSpPr>
-          <p:nvPr>
-            <p:ph type="dt" sz="half" idx="10"/>
-          </p:nvPr>
-        </p:nvSpPr>
-        <p:spPr/>
-        <p:txBody>
-          <a:bodyPr/>
-          <a:lstStyle/>
-          <a:p>
-            <a:r>
-              <a:rPr lang="de-DE" dirty="0" smtClean="0"/>
-              <a:t>02</a:t>
-            </a:r>
-            <a:r>
-              <a:rPr lang="de-DE" dirty="0" smtClean="0"/>
-              <a:t>.07.2020</a:t>
-            </a:r>
-            <a:endParaRPr lang="de-DE" dirty="0"/>
-          </a:p>
-        </p:txBody>
-      </p:sp>
-      <p:sp>
-        <p:nvSpPr>
-          <p:cNvPr id="6" name="Foliennummernplatzhalter 5"/>
-          <p:cNvSpPr>
-            <a:spLocks noGrp="1"/>
-          </p:cNvSpPr>
-          <p:nvPr>
-            <p:ph type="sldNum" sz="quarter" idx="12"/>
-          </p:nvPr>
-        </p:nvSpPr>
-        <p:spPr/>
-        <p:txBody>
-          <a:bodyPr/>
-          <a:lstStyle/>
-          <a:p>
-            <a:r>
-              <a:rPr lang="de-DE" smtClean="0"/>
+            <a:r>
+              <a:rPr lang="de-DE"/>
               <a:t>S. </a:t>
             </a:r>
             <a:fld id="{D7EFD9E5-FB44-4C01-A2C2-48348664E7CC}" type="slidenum">
@@ -7920,9 +9165,120 @@
           <a:lstStyle/>
           <a:p>
             <a:r>
-              <a:rPr lang="de-DE" dirty="0" smtClean="0"/>
-              <a:t>Schaltplan und Layout</a:t>
-            </a:r>
+              <a:rPr lang="de-DE" dirty="0"/>
+              <a:t>Energiesparmodus</a:t>
+            </a:r>
+          </a:p>
+        </p:txBody>
+      </p:sp>
+      <p:sp>
+        <p:nvSpPr>
+          <p:cNvPr id="10" name="Textfeld 9"/>
+          <p:cNvSpPr txBox="1"/>
+          <p:nvPr/>
+        </p:nvSpPr>
+        <p:spPr>
+          <a:xfrm>
+            <a:off x="281258" y="1087122"/>
+            <a:ext cx="8567542" cy="2462213"/>
+          </a:xfrm>
+          <a:prstGeom prst="rect">
+            <a:avLst/>
+          </a:prstGeom>
+          <a:noFill/>
+        </p:spPr>
+        <p:txBody>
+          <a:bodyPr wrap="square" rtlCol="0">
+            <a:spAutoFit/>
+          </a:bodyPr>
+          <a:lstStyle/>
+          <a:p>
+            <a:r>
+              <a:rPr lang="de-DE" dirty="0"/>
+              <a:t>Voraussetzungen:</a:t>
+            </a:r>
+          </a:p>
+          <a:p>
+            <a:pPr marL="285750" indent="-285750">
+              <a:buFont typeface="Arial" panose="020B0604020202020204" pitchFamily="34" charset="0"/>
+              <a:buChar char="•"/>
+            </a:pPr>
+            <a:r>
+              <a:rPr lang="de-DE" dirty="0"/>
+              <a:t>Systemtakt verringern</a:t>
+            </a:r>
+          </a:p>
+          <a:p>
+            <a:pPr marL="285750" indent="-285750">
+              <a:buFont typeface="Arial" panose="020B0604020202020204" pitchFamily="34" charset="0"/>
+              <a:buChar char="•"/>
+            </a:pPr>
+            <a:r>
+              <a:rPr lang="de-DE" dirty="0" err="1"/>
+              <a:t>Regulatorspannung</a:t>
+            </a:r>
+            <a:r>
+              <a:rPr lang="de-DE" dirty="0"/>
+              <a:t> muss verringert werden</a:t>
+            </a:r>
+          </a:p>
+          <a:p>
+            <a:pPr marL="285750" indent="-285750">
+              <a:buFont typeface="Arial" panose="020B0604020202020204" pitchFamily="34" charset="0"/>
+              <a:buChar char="•"/>
+            </a:pPr>
+            <a:r>
+              <a:rPr lang="de-DE" dirty="0"/>
+              <a:t>Outputs sollten sich nicht verändern</a:t>
+            </a:r>
+          </a:p>
+          <a:p>
+            <a:pPr marL="285750" indent="-285750">
+              <a:buFont typeface="Arial" panose="020B0604020202020204" pitchFamily="34" charset="0"/>
+              <a:buChar char="•"/>
+            </a:pPr>
+            <a:endParaRPr lang="de-DE" dirty="0"/>
+          </a:p>
+          <a:p>
+            <a:r>
+              <a:rPr lang="de-DE" dirty="0"/>
+              <a:t>Problem:</a:t>
+            </a:r>
+          </a:p>
+          <a:p>
+            <a:pPr marL="285750" indent="-285750">
+              <a:buFont typeface="Arial" panose="020B0604020202020204" pitchFamily="34" charset="0"/>
+              <a:buChar char="•"/>
+            </a:pPr>
+            <a:r>
+              <a:rPr lang="de-DE" dirty="0"/>
+              <a:t>Kapazitiver Sensor</a:t>
+            </a:r>
+          </a:p>
+          <a:p>
+            <a:pPr marL="285750" indent="-285750">
+              <a:buFont typeface="Arial" panose="020B0604020202020204" pitchFamily="34" charset="0"/>
+              <a:buChar char="•"/>
+            </a:pPr>
+            <a:endParaRPr lang="de-DE" dirty="0"/>
+          </a:p>
+          <a:p>
+            <a:r>
+              <a:rPr lang="de-DE" dirty="0"/>
+              <a:t>Lösung:</a:t>
+            </a:r>
+          </a:p>
+          <a:p>
+            <a:pPr marL="285750" indent="-285750">
+              <a:buFont typeface="Arial" panose="020B0604020202020204" pitchFamily="34" charset="0"/>
+              <a:buChar char="•"/>
+            </a:pPr>
+            <a:r>
+              <a:rPr lang="de-DE" dirty="0"/>
+              <a:t>Zweiter Schalter</a:t>
+            </a:r>
+          </a:p>
+          <a:p>
             <a:endParaRPr lang="de-DE" dirty="0"/>
           </a:p>
         </p:txBody>
@@ -7930,7 +9286,7 @@
     </p:spTree>
     <p:extLst>
       <p:ext uri="{BB962C8B-B14F-4D97-AF65-F5344CB8AC3E}">
-        <p14:creationId xmlns:p14="http://schemas.microsoft.com/office/powerpoint/2010/main" val="3022004272"/>
+        <p14:creationId xmlns:p14="http://schemas.microsoft.com/office/powerpoint/2010/main" xmlns="" val="1528391062"/>
       </p:ext>
     </p:extLst>
   </p:cSld>
@@ -7957,6 +9313,38 @@
           <a:chExt cx="0" cy="0"/>
         </a:xfrm>
       </p:grpSpPr>
+      <p:pic>
+        <p:nvPicPr>
+          <p:cNvPr id="3074" name="Picture 2"/>
+          <p:cNvPicPr>
+            <a:picLocks noChangeAspect="1" noChangeArrowheads="1"/>
+          </p:cNvPicPr>
+          <p:nvPr/>
+        </p:nvPicPr>
+        <p:blipFill>
+          <a:blip r:embed="rId2" cstate="print"/>
+          <a:srcRect/>
+          <a:stretch>
+            <a:fillRect/>
+          </a:stretch>
+        </p:blipFill>
+        <p:spPr bwMode="auto">
+          <a:xfrm>
+            <a:off x="1403647" y="987574"/>
+            <a:ext cx="6107529" cy="4104456"/>
+          </a:xfrm>
+          <a:prstGeom prst="rect">
+            <a:avLst/>
+          </a:prstGeom>
+          <a:noFill/>
+          <a:ln w="9525">
+            <a:noFill/>
+            <a:miter lim="800000"/>
+            <a:headEnd/>
+            <a:tailEnd/>
+          </a:ln>
+        </p:spPr>
+      </p:pic>
       <p:sp>
         <p:nvSpPr>
           <p:cNvPr id="4" name="Datumsplatzhalter 3"/>
@@ -7967,18 +9355,19 @@
             <p:ph type="dt" sz="half" idx="10"/>
           </p:nvPr>
         </p:nvSpPr>
-        <p:spPr/>
-        <p:txBody>
-          <a:bodyPr/>
-          <a:lstStyle/>
-          <a:p>
-            <a:r>
-              <a:rPr lang="de-DE" dirty="0" smtClean="0"/>
-              <a:t>02</a:t>
-            </a:r>
-            <a:r>
-              <a:rPr lang="de-DE" dirty="0" smtClean="0"/>
-              <a:t>.07.2020</a:t>
+        <p:spPr>
+          <a:xfrm>
+            <a:off x="4788024" y="4773603"/>
+            <a:ext cx="3284488" cy="369901"/>
+          </a:xfrm>
+        </p:spPr>
+        <p:txBody>
+          <a:bodyPr/>
+          <a:lstStyle/>
+          <a:p>
+            <a:r>
+              <a:rPr lang="de-DE"/>
+              <a:t>02.07.2020</a:t>
             </a:r>
             <a:endParaRPr lang="de-DE" dirty="0"/>
           </a:p>
@@ -7994,13 +9383,18 @@
             <p:ph type="sldNum" sz="quarter" idx="12"/>
           </p:nvPr>
         </p:nvSpPr>
-        <p:spPr/>
-        <p:txBody>
-          <a:bodyPr/>
-          <a:lstStyle/>
-          <a:p>
-            <a:r>
-              <a:rPr lang="de-DE" smtClean="0"/>
+        <p:spPr>
+          <a:xfrm>
+            <a:off x="8056713" y="4767263"/>
+            <a:ext cx="792088" cy="369900"/>
+          </a:xfrm>
+        </p:spPr>
+        <p:txBody>
+          <a:bodyPr/>
+          <a:lstStyle/>
+          <a:p>
+            <a:r>
+              <a:rPr lang="de-DE"/>
               <a:t>S. </a:t>
             </a:r>
             <a:fld id="{D7EFD9E5-FB44-4C01-A2C2-48348664E7CC}" type="slidenum">
@@ -8047,18 +9441,9 @@
           <a:lstStyle/>
           <a:p>
             <a:r>
-              <a:rPr lang="de-DE" dirty="0" smtClean="0"/>
-              <a:t>Jetziger Stand und </a:t>
-            </a:r>
-            <a:r>
-              <a:rPr lang="de-DE" dirty="0" err="1" smtClean="0"/>
-              <a:t>To</a:t>
-            </a:r>
-            <a:r>
-              <a:rPr lang="de-DE" dirty="0" smtClean="0"/>
-              <a:t>-dos</a:t>
-            </a:r>
-            <a:endParaRPr lang="de-DE" dirty="0"/>
+              <a:rPr lang="de-DE" dirty="0"/>
+              <a:t>Schaltplan und Layout</a:t>
+            </a:r>
           </a:p>
         </p:txBody>
       </p:sp>
@@ -8070,8 +9455,8 @@
         </p:nvSpPr>
         <p:spPr>
           <a:xfrm>
-            <a:off x="281258" y="1256132"/>
-            <a:ext cx="8539214" cy="954107"/>
+            <a:off x="4283968" y="4227934"/>
+            <a:ext cx="288032" cy="307777"/>
           </a:xfrm>
           <a:prstGeom prst="rect">
             <a:avLst/>
@@ -8084,48 +9469,189 @@
           </a:bodyPr>
           <a:lstStyle/>
           <a:p>
-            <a:pPr marL="285750" indent="-285750">
-              <a:buFont typeface="Arial" panose="020B0604020202020204" pitchFamily="34" charset="0"/>
-              <a:buChar char="•"/>
-            </a:pPr>
             <a:r>
               <a:rPr lang="de-DE" dirty="0" smtClean="0"/>
-              <a:t>PCB-File </a:t>
-            </a:r>
+              <a:t>6</a:t>
+            </a:r>
+            <a:endParaRPr lang="de-DE" dirty="0"/>
+          </a:p>
+        </p:txBody>
+      </p:sp>
+      <p:sp>
+        <p:nvSpPr>
+          <p:cNvPr id="11" name="Textfeld 10"/>
+          <p:cNvSpPr txBox="1"/>
+          <p:nvPr/>
+        </p:nvSpPr>
+        <p:spPr>
+          <a:xfrm>
+            <a:off x="6444208" y="1851670"/>
+            <a:ext cx="288032" cy="307777"/>
+          </a:xfrm>
+          <a:prstGeom prst="rect">
+            <a:avLst/>
+          </a:prstGeom>
+          <a:noFill/>
+        </p:spPr>
+        <p:txBody>
+          <a:bodyPr wrap="square" rtlCol="0">
+            <a:spAutoFit/>
+          </a:bodyPr>
+          <a:lstStyle/>
+          <a:p>
             <a:r>
               <a:rPr lang="de-DE" dirty="0" smtClean="0"/>
-              <a:t>überprüfen und bestellen</a:t>
-            </a:r>
-            <a:endParaRPr lang="de-DE" dirty="0" smtClean="0"/>
-          </a:p>
-          <a:p>
-            <a:pPr marL="285750" indent="-285750">
-              <a:buFont typeface="Arial" panose="020B0604020202020204" pitchFamily="34" charset="0"/>
-              <a:buChar char="•"/>
-            </a:pPr>
+              <a:t>5</a:t>
+            </a:r>
+            <a:endParaRPr lang="de-DE" dirty="0"/>
+          </a:p>
+        </p:txBody>
+      </p:sp>
+      <p:sp>
+        <p:nvSpPr>
+          <p:cNvPr id="12" name="Textfeld 11"/>
+          <p:cNvSpPr txBox="1"/>
+          <p:nvPr/>
+        </p:nvSpPr>
+        <p:spPr>
+          <a:xfrm>
+            <a:off x="4499992" y="1419622"/>
+            <a:ext cx="288032" cy="307777"/>
+          </a:xfrm>
+          <a:prstGeom prst="rect">
+            <a:avLst/>
+          </a:prstGeom>
+          <a:noFill/>
+        </p:spPr>
+        <p:txBody>
+          <a:bodyPr wrap="square" rtlCol="0">
+            <a:spAutoFit/>
+          </a:bodyPr>
+          <a:lstStyle/>
+          <a:p>
             <a:r>
               <a:rPr lang="de-DE" dirty="0" smtClean="0"/>
-              <a:t>Zusammengeführten Code testen</a:t>
-            </a:r>
-          </a:p>
-          <a:p>
-            <a:pPr marL="285750" indent="-285750">
-              <a:buFont typeface="Arial" panose="020B0604020202020204" pitchFamily="34" charset="0"/>
-              <a:buChar char="•"/>
-            </a:pPr>
+              <a:t>4</a:t>
+            </a:r>
+            <a:endParaRPr lang="de-DE" dirty="0"/>
+          </a:p>
+        </p:txBody>
+      </p:sp>
+      <p:sp>
+        <p:nvSpPr>
+          <p:cNvPr id="13" name="Textfeld 12"/>
+          <p:cNvSpPr txBox="1"/>
+          <p:nvPr/>
+        </p:nvSpPr>
+        <p:spPr>
+          <a:xfrm>
+            <a:off x="6516216" y="3795886"/>
+            <a:ext cx="288032" cy="307777"/>
+          </a:xfrm>
+          <a:prstGeom prst="rect">
+            <a:avLst/>
+          </a:prstGeom>
+          <a:noFill/>
+        </p:spPr>
+        <p:txBody>
+          <a:bodyPr wrap="square" rtlCol="0">
+            <a:spAutoFit/>
+          </a:bodyPr>
+          <a:lstStyle/>
+          <a:p>
             <a:r>
               <a:rPr lang="de-DE" dirty="0" smtClean="0"/>
-              <a:t>Hülle mit CAD-Programm designen und drucken lassen</a:t>
-            </a:r>
-          </a:p>
-          <a:p>
-            <a:pPr marL="285750" indent="-285750">
-              <a:buFont typeface="Arial" panose="020B0604020202020204" pitchFamily="34" charset="0"/>
-              <a:buChar char="•"/>
-            </a:pPr>
+              <a:t>2</a:t>
+            </a:r>
+            <a:endParaRPr lang="de-DE" dirty="0"/>
+          </a:p>
+        </p:txBody>
+      </p:sp>
+      <p:sp>
+        <p:nvSpPr>
+          <p:cNvPr id="14" name="Textfeld 13"/>
+          <p:cNvSpPr txBox="1"/>
+          <p:nvPr/>
+        </p:nvSpPr>
+        <p:spPr>
+          <a:xfrm>
+            <a:off x="2771800" y="2931790"/>
+            <a:ext cx="288032" cy="307777"/>
+          </a:xfrm>
+          <a:prstGeom prst="rect">
+            <a:avLst/>
+          </a:prstGeom>
+          <a:noFill/>
+        </p:spPr>
+        <p:txBody>
+          <a:bodyPr wrap="square" rtlCol="0">
+            <a:spAutoFit/>
+          </a:bodyPr>
+          <a:lstStyle/>
+          <a:p>
             <a:r>
               <a:rPr lang="de-DE" dirty="0" smtClean="0"/>
-              <a:t>EI-Wiki-Eintrag schreiben</a:t>
+              <a:t>3</a:t>
+            </a:r>
+            <a:endParaRPr lang="de-DE" dirty="0"/>
+          </a:p>
+        </p:txBody>
+      </p:sp>
+      <p:sp>
+        <p:nvSpPr>
+          <p:cNvPr id="15" name="Textfeld 14"/>
+          <p:cNvSpPr txBox="1"/>
+          <p:nvPr/>
+        </p:nvSpPr>
+        <p:spPr>
+          <a:xfrm>
+            <a:off x="1115616" y="1131590"/>
+            <a:ext cx="288032" cy="307777"/>
+          </a:xfrm>
+          <a:prstGeom prst="rect">
+            <a:avLst/>
+          </a:prstGeom>
+          <a:noFill/>
+        </p:spPr>
+        <p:txBody>
+          <a:bodyPr wrap="square" rtlCol="0">
+            <a:spAutoFit/>
+          </a:bodyPr>
+          <a:lstStyle/>
+          <a:p>
+            <a:r>
+              <a:rPr lang="de-DE" dirty="0" smtClean="0"/>
+              <a:t>1</a:t>
+            </a:r>
+            <a:endParaRPr lang="de-DE" dirty="0"/>
+          </a:p>
+        </p:txBody>
+      </p:sp>
+      <p:sp>
+        <p:nvSpPr>
+          <p:cNvPr id="16" name="Textfeld 15"/>
+          <p:cNvSpPr txBox="1"/>
+          <p:nvPr/>
+        </p:nvSpPr>
+        <p:spPr>
+          <a:xfrm>
+            <a:off x="2123728" y="4515966"/>
+            <a:ext cx="288032" cy="307777"/>
+          </a:xfrm>
+          <a:prstGeom prst="rect">
+            <a:avLst/>
+          </a:prstGeom>
+          <a:noFill/>
+        </p:spPr>
+        <p:txBody>
+          <a:bodyPr wrap="square" rtlCol="0">
+            <a:spAutoFit/>
+          </a:bodyPr>
+          <a:lstStyle/>
+          <a:p>
+            <a:r>
+              <a:rPr lang="de-DE" dirty="0" smtClean="0"/>
+              <a:t>7</a:t>
             </a:r>
             <a:endParaRPr lang="de-DE" dirty="0"/>
           </a:p>
@@ -8134,7 +9660,7 @@
     </p:spTree>
     <p:extLst>
       <p:ext uri="{BB962C8B-B14F-4D97-AF65-F5344CB8AC3E}">
-        <p14:creationId xmlns:p14="http://schemas.microsoft.com/office/powerpoint/2010/main" val="1857203349"/>
+        <p14:creationId xmlns:p14="http://schemas.microsoft.com/office/powerpoint/2010/main" xmlns="" val="3022004272"/>
       </p:ext>
     </p:extLst>
   </p:cSld>
@@ -8368,7 +9894,7 @@
   <a:extraClrSchemeLst/>
   <a:extLst>
     <a:ext uri="{05A4C25C-085E-4340-85A3-A5531E510DB2}">
-      <thm15:themeFamily xmlns:thm15="http://schemas.microsoft.com/office/thememl/2012/main" name="OTH_PowerPoint_16x9_Vorschlag_pepig.potx" id="{43620CFC-C386-4CA8-B9E6-5EEE78A9B3C3}" vid="{E10F38B3-65C0-4F3B-89E5-411266422D7E}"/>
+      <thm15:themeFamily xmlns:thm15="http://schemas.microsoft.com/office/thememl/2012/main" xmlns="" name="OTH_PowerPoint_16x9_Vorschlag_pepig.potx" id="{43620CFC-C386-4CA8-B9E6-5EEE78A9B3C3}" vid="{E10F38B3-65C0-4F3B-89E5-411266422D7E}"/>
     </a:ext>
   </a:extLst>
 </a:theme>
@@ -9119,14 +10645,14 @@
 <file path=customXml/itemProps1.xml><?xml version="1.0" encoding="utf-8"?>
 <ds:datastoreItem xmlns:ds="http://schemas.openxmlformats.org/officeDocument/2006/customXml" ds:itemID="{6F65AD01-48E5-4010-AD48-B7D7CFBD789F}">
   <ds:schemaRefs>
-    <ds:schemaRef ds:uri="http://schemas.microsoft.com/office/infopath/2007/PartnerControls"/>
+    <ds:schemaRef ds:uri="http://schemas.microsoft.com/office/2006/documentManagement/types"/>
     <ds:schemaRef ds:uri="http://purl.org/dc/elements/1.1/"/>
     <ds:schemaRef ds:uri="http://schemas.microsoft.com/office/2006/metadata/properties"/>
     <ds:schemaRef ds:uri="http://purl.org/dc/terms/"/>
     <ds:schemaRef ds:uri="http://schemas.openxmlformats.org/package/2006/metadata/core-properties"/>
-    <ds:schemaRef ds:uri="http://schemas.microsoft.com/office/2006/documentManagement/types"/>
+    <ds:schemaRef ds:uri="http://purl.org/dc/dcmitype/"/>
+    <ds:schemaRef ds:uri="http://schemas.microsoft.com/office/infopath/2007/PartnerControls"/>
     <ds:schemaRef ds:uri="http://www.w3.org/XML/1998/namespace"/>
-    <ds:schemaRef ds:uri="http://purl.org/dc/dcmitype/"/>
   </ds:schemaRefs>
 </ds:datastoreItem>
 </file>

--- a/Zwischenpräsentation/Zwischenpräsentation.pptx
+++ b/Zwischenpräsentation/Zwischenpräsentation.pptx
@@ -122,7 +122,7 @@
   </p:defaultTextStyle>
   <p:extLst>
     <p:ext uri="{EFAFB233-063F-42B5-8137-9DF3F51BA10A}">
-      <p15:sldGuideLst xmlns:p15="http://schemas.microsoft.com/office/powerpoint/2012/main" xmlns="">
+      <p15:sldGuideLst xmlns:p15="http://schemas.microsoft.com/office/powerpoint/2012/main">
         <p15:guide id="1" orient="horz" pos="2160" userDrawn="1">
           <p15:clr>
             <a:srgbClr val="A4A3A4"/>
@@ -146,7 +146,7 @@
       </p15:sldGuideLst>
     </p:ext>
     <p:ext uri="{2D200454-40CA-4A62-9FC3-DE9A4176ACB9}">
-      <p15:notesGuideLst xmlns:p15="http://schemas.microsoft.com/office/powerpoint/2012/main" xmlns="">
+      <p15:notesGuideLst xmlns:p15="http://schemas.microsoft.com/office/powerpoint/2012/main">
         <p15:guide id="1" orient="horz" pos="2880">
           <p15:clr>
             <a:srgbClr val="A4A3A4"/>
@@ -296,7 +296,7 @@
           <a:blip r:embed="rId2" cstate="print">
             <a:extLst>
               <a:ext uri="{28A0092B-C50C-407E-A947-70E740481C1C}">
-                <a14:useLocalDpi xmlns:a14="http://schemas.microsoft.com/office/drawing/2010/main" xmlns="" val="0"/>
+                <a14:useLocalDpi xmlns:a14="http://schemas.microsoft.com/office/drawing/2010/main" val="0"/>
               </a:ext>
             </a:extLst>
           </a:blip>
@@ -316,7 +316,7 @@
     </p:spTree>
     <p:extLst>
       <p:ext uri="{BB962C8B-B14F-4D97-AF65-F5344CB8AC3E}">
-        <p14:creationId xmlns:p14="http://schemas.microsoft.com/office/powerpoint/2010/main" xmlns="" val="2393592589"/>
+        <p14:creationId xmlns:p14="http://schemas.microsoft.com/office/powerpoint/2010/main" val="2393592589"/>
       </p:ext>
     </p:extLst>
   </p:cSld>
@@ -575,7 +575,7 @@
     </p:spTree>
     <p:extLst>
       <p:ext uri="{BB962C8B-B14F-4D97-AF65-F5344CB8AC3E}">
-        <p14:creationId xmlns:p14="http://schemas.microsoft.com/office/powerpoint/2010/main" xmlns="" val="2429783476"/>
+        <p14:creationId xmlns:p14="http://schemas.microsoft.com/office/powerpoint/2010/main" val="2429783476"/>
       </p:ext>
     </p:extLst>
   </p:cSld>
@@ -923,7 +923,7 @@
     </p:spTree>
     <p:extLst>
       <p:ext uri="{BB962C8B-B14F-4D97-AF65-F5344CB8AC3E}">
-        <p14:creationId xmlns:p14="http://schemas.microsoft.com/office/powerpoint/2010/main" xmlns="" val="780299724"/>
+        <p14:creationId xmlns:p14="http://schemas.microsoft.com/office/powerpoint/2010/main" val="780299724"/>
       </p:ext>
     </p:extLst>
   </p:cSld>
@@ -1049,7 +1049,7 @@
     </p:spTree>
     <p:extLst>
       <p:ext uri="{BB962C8B-B14F-4D97-AF65-F5344CB8AC3E}">
-        <p14:creationId xmlns:p14="http://schemas.microsoft.com/office/powerpoint/2010/main" xmlns="" val="3782000011"/>
+        <p14:creationId xmlns:p14="http://schemas.microsoft.com/office/powerpoint/2010/main" val="3782000011"/>
       </p:ext>
     </p:extLst>
   </p:cSld>
@@ -1215,7 +1215,7 @@
     </p:spTree>
     <p:extLst>
       <p:ext uri="{BB962C8B-B14F-4D97-AF65-F5344CB8AC3E}">
-        <p14:creationId xmlns:p14="http://schemas.microsoft.com/office/powerpoint/2010/main" xmlns="" val="2970687436"/>
+        <p14:creationId xmlns:p14="http://schemas.microsoft.com/office/powerpoint/2010/main" val="2970687436"/>
       </p:ext>
     </p:extLst>
   </p:cSld>
@@ -1373,7 +1373,7 @@
     </p:spTree>
     <p:extLst>
       <p:ext uri="{BB962C8B-B14F-4D97-AF65-F5344CB8AC3E}">
-        <p14:creationId xmlns:p14="http://schemas.microsoft.com/office/powerpoint/2010/main" xmlns="" val="3832344047"/>
+        <p14:creationId xmlns:p14="http://schemas.microsoft.com/office/powerpoint/2010/main" val="3832344047"/>
       </p:ext>
     </p:extLst>
   </p:cSld>
@@ -1566,7 +1566,7 @@
     </p:spTree>
     <p:extLst>
       <p:ext uri="{BB962C8B-B14F-4D97-AF65-F5344CB8AC3E}">
-        <p14:creationId xmlns:p14="http://schemas.microsoft.com/office/powerpoint/2010/main" xmlns="" val="3114404716"/>
+        <p14:creationId xmlns:p14="http://schemas.microsoft.com/office/powerpoint/2010/main" val="3114404716"/>
       </p:ext>
     </p:extLst>
   </p:cSld>
@@ -1830,7 +1830,7 @@
     </p:spTree>
     <p:extLst>
       <p:ext uri="{BB962C8B-B14F-4D97-AF65-F5344CB8AC3E}">
-        <p14:creationId xmlns:p14="http://schemas.microsoft.com/office/powerpoint/2010/main" xmlns="" val="1160609061"/>
+        <p14:creationId xmlns:p14="http://schemas.microsoft.com/office/powerpoint/2010/main" val="1160609061"/>
       </p:ext>
     </p:extLst>
   </p:cSld>
@@ -2153,7 +2153,7 @@
     </p:spTree>
     <p:extLst>
       <p:ext uri="{BB962C8B-B14F-4D97-AF65-F5344CB8AC3E}">
-        <p14:creationId xmlns:p14="http://schemas.microsoft.com/office/powerpoint/2010/main" xmlns="" val="277415100"/>
+        <p14:creationId xmlns:p14="http://schemas.microsoft.com/office/powerpoint/2010/main" val="277415100"/>
       </p:ext>
     </p:extLst>
   </p:cSld>
@@ -2476,7 +2476,7 @@
     </p:spTree>
     <p:extLst>
       <p:ext uri="{BB962C8B-B14F-4D97-AF65-F5344CB8AC3E}">
-        <p14:creationId xmlns:p14="http://schemas.microsoft.com/office/powerpoint/2010/main" xmlns="" val="2217606930"/>
+        <p14:creationId xmlns:p14="http://schemas.microsoft.com/office/powerpoint/2010/main" val="2217606930"/>
       </p:ext>
     </p:extLst>
   </p:cSld>
@@ -2768,7 +2768,7 @@
     </p:spTree>
     <p:extLst>
       <p:ext uri="{BB962C8B-B14F-4D97-AF65-F5344CB8AC3E}">
-        <p14:creationId xmlns:p14="http://schemas.microsoft.com/office/powerpoint/2010/main" xmlns="" val="2097854869"/>
+        <p14:creationId xmlns:p14="http://schemas.microsoft.com/office/powerpoint/2010/main" val="2097854869"/>
       </p:ext>
     </p:extLst>
   </p:cSld>
@@ -3009,7 +3009,7 @@
     </p:spTree>
     <p:extLst>
       <p:ext uri="{BB962C8B-B14F-4D97-AF65-F5344CB8AC3E}">
-        <p14:creationId xmlns:p14="http://schemas.microsoft.com/office/powerpoint/2010/main" xmlns="" val="3293466878"/>
+        <p14:creationId xmlns:p14="http://schemas.microsoft.com/office/powerpoint/2010/main" val="3293466878"/>
       </p:ext>
     </p:extLst>
   </p:cSld>
@@ -3216,7 +3216,7 @@
     </p:spTree>
     <p:extLst>
       <p:ext uri="{BB962C8B-B14F-4D97-AF65-F5344CB8AC3E}">
-        <p14:creationId xmlns:p14="http://schemas.microsoft.com/office/powerpoint/2010/main" xmlns="" val="2963298663"/>
+        <p14:creationId xmlns:p14="http://schemas.microsoft.com/office/powerpoint/2010/main" val="2963298663"/>
       </p:ext>
     </p:extLst>
   </p:cSld>
@@ -3450,7 +3450,7 @@
           <a:blip r:embed="rId2" cstate="print">
             <a:extLst>
               <a:ext uri="{28A0092B-C50C-407E-A947-70E740481C1C}">
-                <a14:useLocalDpi xmlns:a14="http://schemas.microsoft.com/office/drawing/2010/main" xmlns="" val="0"/>
+                <a14:useLocalDpi xmlns:a14="http://schemas.microsoft.com/office/drawing/2010/main" val="0"/>
               </a:ext>
             </a:extLst>
           </a:blip>
@@ -3652,7 +3652,7 @@
     </p:spTree>
     <p:extLst>
       <p:ext uri="{BB962C8B-B14F-4D97-AF65-F5344CB8AC3E}">
-        <p14:creationId xmlns:p14="http://schemas.microsoft.com/office/powerpoint/2010/main" xmlns="" val="3743866467"/>
+        <p14:creationId xmlns:p14="http://schemas.microsoft.com/office/powerpoint/2010/main" val="3743866467"/>
       </p:ext>
     </p:extLst>
   </p:cSld>
@@ -3985,7 +3985,7 @@
     </p:spTree>
     <p:extLst>
       <p:ext uri="{BB962C8B-B14F-4D97-AF65-F5344CB8AC3E}">
-        <p14:creationId xmlns:p14="http://schemas.microsoft.com/office/powerpoint/2010/main" xmlns="" val="1756008387"/>
+        <p14:creationId xmlns:p14="http://schemas.microsoft.com/office/powerpoint/2010/main" val="1756008387"/>
       </p:ext>
     </p:extLst>
   </p:cSld>
@@ -4449,7 +4449,7 @@
     </p:spTree>
     <p:extLst>
       <p:ext uri="{BB962C8B-B14F-4D97-AF65-F5344CB8AC3E}">
-        <p14:creationId xmlns:p14="http://schemas.microsoft.com/office/powerpoint/2010/main" xmlns="" val="1251332282"/>
+        <p14:creationId xmlns:p14="http://schemas.microsoft.com/office/powerpoint/2010/main" val="1251332282"/>
       </p:ext>
     </p:extLst>
   </p:cSld>
@@ -5131,7 +5131,7 @@
     </p:spTree>
     <p:extLst>
       <p:ext uri="{BB962C8B-B14F-4D97-AF65-F5344CB8AC3E}">
-        <p14:creationId xmlns:p14="http://schemas.microsoft.com/office/powerpoint/2010/main" xmlns="" val="4194109108"/>
+        <p14:creationId xmlns:p14="http://schemas.microsoft.com/office/powerpoint/2010/main" val="4194109108"/>
       </p:ext>
     </p:extLst>
   </p:cSld>
@@ -5441,7 +5441,7 @@
     </p:spTree>
     <p:extLst>
       <p:ext uri="{BB962C8B-B14F-4D97-AF65-F5344CB8AC3E}">
-        <p14:creationId xmlns:p14="http://schemas.microsoft.com/office/powerpoint/2010/main" xmlns="" val="2770494240"/>
+        <p14:creationId xmlns:p14="http://schemas.microsoft.com/office/powerpoint/2010/main" val="2770494240"/>
       </p:ext>
     </p:extLst>
   </p:cSld>
@@ -5791,7 +5791,7 @@
     </p:spTree>
     <p:extLst>
       <p:ext uri="{BB962C8B-B14F-4D97-AF65-F5344CB8AC3E}">
-        <p14:creationId xmlns:p14="http://schemas.microsoft.com/office/powerpoint/2010/main" xmlns="" val="483542912"/>
+        <p14:creationId xmlns:p14="http://schemas.microsoft.com/office/powerpoint/2010/main" val="483542912"/>
       </p:ext>
     </p:extLst>
   </p:cSld>
@@ -6149,7 +6149,7 @@
           <a:blip r:embed="rId19" cstate="print">
             <a:extLst>
               <a:ext uri="{28A0092B-C50C-407E-A947-70E740481C1C}">
-                <a14:useLocalDpi xmlns:a14="http://schemas.microsoft.com/office/drawing/2010/main" xmlns="" val="0"/>
+                <a14:useLocalDpi xmlns:a14="http://schemas.microsoft.com/office/drawing/2010/main" val="0"/>
               </a:ext>
             </a:extLst>
           </a:blip>
@@ -6169,7 +6169,7 @@
     </p:spTree>
     <p:extLst>
       <p:ext uri="{BB962C8B-B14F-4D97-AF65-F5344CB8AC3E}">
-        <p14:creationId xmlns:p14="http://schemas.microsoft.com/office/powerpoint/2010/main" xmlns="" val="471908802"/>
+        <p14:creationId xmlns:p14="http://schemas.microsoft.com/office/powerpoint/2010/main" val="471908802"/>
       </p:ext>
     </p:extLst>
   </p:cSld>
@@ -6515,7 +6515,7 @@
     </p:spTree>
     <p:extLst>
       <p:ext uri="{BB962C8B-B14F-4D97-AF65-F5344CB8AC3E}">
-        <p14:creationId xmlns:p14="http://schemas.microsoft.com/office/powerpoint/2010/main" xmlns="" val="993035284"/>
+        <p14:creationId xmlns:p14="http://schemas.microsoft.com/office/powerpoint/2010/main" val="993035284"/>
       </p:ext>
     </p:extLst>
   </p:cSld>
@@ -6547,7 +6547,7 @@
           <p:cNvPr id="4" name="Datumsplatzhalter 3">
             <a:extLst>
               <a:ext uri="{FF2B5EF4-FFF2-40B4-BE49-F238E27FC236}">
-                <a16:creationId xmlns:a16="http://schemas.microsoft.com/office/drawing/2014/main" xmlns="" id="{A1AFD187-2404-4DB8-89F1-A9331AF8FB6A}"/>
+                <a16:creationId xmlns="" xmlns:a16="http://schemas.microsoft.com/office/drawing/2014/main" id="{A1AFD187-2404-4DB8-89F1-A9331AF8FB6A}"/>
               </a:ext>
             </a:extLst>
           </p:cNvPr>
@@ -6565,11 +6565,7 @@
           <a:p>
             <a:r>
               <a:rPr lang="de-DE" dirty="0" smtClean="0"/>
-              <a:t>02</a:t>
-            </a:r>
-            <a:r>
-              <a:rPr lang="de-DE" dirty="0" smtClean="0"/>
-              <a:t>.07.2020</a:t>
+              <a:t>02.07.2020</a:t>
             </a:r>
             <a:endParaRPr lang="de-DE" dirty="0"/>
           </a:p>
@@ -6580,7 +6576,7 @@
           <p:cNvPr id="6" name="Foliennummernplatzhalter 5">
             <a:extLst>
               <a:ext uri="{FF2B5EF4-FFF2-40B4-BE49-F238E27FC236}">
-                <a16:creationId xmlns:a16="http://schemas.microsoft.com/office/drawing/2014/main" xmlns="" id="{3B4ECCCF-00AE-4584-8776-9324BC863521}"/>
+                <a16:creationId xmlns="" xmlns:a16="http://schemas.microsoft.com/office/drawing/2014/main" id="{3B4ECCCF-00AE-4584-8776-9324BC863521}"/>
               </a:ext>
             </a:extLst>
           </p:cNvPr>
@@ -6614,7 +6610,7 @@
           <p:cNvPr id="7" name="Titel 6">
             <a:extLst>
               <a:ext uri="{FF2B5EF4-FFF2-40B4-BE49-F238E27FC236}">
-                <a16:creationId xmlns:a16="http://schemas.microsoft.com/office/drawing/2014/main" xmlns="" id="{E7303516-9B1B-444D-B5B5-F4448A4FBC50}"/>
+                <a16:creationId xmlns="" xmlns:a16="http://schemas.microsoft.com/office/drawing/2014/main" id="{E7303516-9B1B-444D-B5B5-F4448A4FBC50}"/>
               </a:ext>
             </a:extLst>
           </p:cNvPr>
@@ -7215,7 +7211,7 @@
     </p:spTree>
     <p:extLst>
       <p:ext uri="{BB962C8B-B14F-4D97-AF65-F5344CB8AC3E}">
-        <p14:creationId xmlns:p14="http://schemas.microsoft.com/office/powerpoint/2010/main" xmlns="" val="2740458544"/>
+        <p14:creationId xmlns:p14="http://schemas.microsoft.com/office/powerpoint/2010/main" val="2740458544"/>
       </p:ext>
     </p:extLst>
   </p:cSld>
@@ -7407,7 +7403,7 @@
     </p:spTree>
     <p:extLst>
       <p:ext uri="{BB962C8B-B14F-4D97-AF65-F5344CB8AC3E}">
-        <p14:creationId xmlns:p14="http://schemas.microsoft.com/office/powerpoint/2010/main" xmlns="" val="1857203349"/>
+        <p14:creationId xmlns:p14="http://schemas.microsoft.com/office/powerpoint/2010/main" val="1857203349"/>
       </p:ext>
     </p:extLst>
   </p:cSld>
@@ -7638,7 +7634,7 @@
     </p:spTree>
     <p:extLst>
       <p:ext uri="{BB962C8B-B14F-4D97-AF65-F5344CB8AC3E}">
-        <p14:creationId xmlns:p14="http://schemas.microsoft.com/office/powerpoint/2010/main" xmlns="" val="1320007939"/>
+        <p14:creationId xmlns:p14="http://schemas.microsoft.com/office/powerpoint/2010/main" val="1320007939"/>
       </p:ext>
     </p:extLst>
   </p:cSld>
@@ -7761,7 +7757,7 @@
           <p:cNvPr id="9" name="Textfeld 8">
             <a:extLst>
               <a:ext uri="{FF2B5EF4-FFF2-40B4-BE49-F238E27FC236}">
-                <a16:creationId xmlns:a16="http://schemas.microsoft.com/office/drawing/2014/main" xmlns="" id="{5522C6CD-875E-497B-B0CB-7C1772871D12}"/>
+                <a16:creationId xmlns="" xmlns:a16="http://schemas.microsoft.com/office/drawing/2014/main" id="{5522C6CD-875E-497B-B0CB-7C1772871D12}"/>
               </a:ext>
             </a:extLst>
           </p:cNvPr>
@@ -7828,7 +7824,7 @@
     </p:spTree>
     <p:extLst>
       <p:ext uri="{BB962C8B-B14F-4D97-AF65-F5344CB8AC3E}">
-        <p14:creationId xmlns:p14="http://schemas.microsoft.com/office/powerpoint/2010/main" xmlns="" val="974581251"/>
+        <p14:creationId xmlns:p14="http://schemas.microsoft.com/office/powerpoint/2010/main" val="974581251"/>
       </p:ext>
     </p:extLst>
   </p:cSld>
@@ -8181,7 +8177,7 @@
     </p:spTree>
     <p:extLst>
       <p:ext uri="{BB962C8B-B14F-4D97-AF65-F5344CB8AC3E}">
-        <p14:creationId xmlns:p14="http://schemas.microsoft.com/office/powerpoint/2010/main" xmlns="" val="2474782142"/>
+        <p14:creationId xmlns:p14="http://schemas.microsoft.com/office/powerpoint/2010/main" val="2474782142"/>
       </p:ext>
     </p:extLst>
   </p:cSld>
@@ -8213,7 +8209,7 @@
           <p:cNvPr id="4" name="Datumsplatzhalter 3">
             <a:extLst>
               <a:ext uri="{FF2B5EF4-FFF2-40B4-BE49-F238E27FC236}">
-                <a16:creationId xmlns:a16="http://schemas.microsoft.com/office/drawing/2014/main" xmlns="" id="{D379F55B-2183-4D53-B717-EA7F1D2A9A31}"/>
+                <a16:creationId xmlns="" xmlns:a16="http://schemas.microsoft.com/office/drawing/2014/main" id="{D379F55B-2183-4D53-B717-EA7F1D2A9A31}"/>
               </a:ext>
             </a:extLst>
           </p:cNvPr>
@@ -8231,11 +8227,7 @@
           <a:p>
             <a:r>
               <a:rPr lang="de-DE" dirty="0" smtClean="0"/>
-              <a:t>02</a:t>
-            </a:r>
-            <a:r>
-              <a:rPr lang="de-DE" dirty="0" smtClean="0"/>
-              <a:t>.07.2020</a:t>
+              <a:t>02.07.2020</a:t>
             </a:r>
             <a:endParaRPr lang="de-DE" dirty="0"/>
           </a:p>
@@ -8246,7 +8238,7 @@
           <p:cNvPr id="6" name="Foliennummernplatzhalter 5">
             <a:extLst>
               <a:ext uri="{FF2B5EF4-FFF2-40B4-BE49-F238E27FC236}">
-                <a16:creationId xmlns:a16="http://schemas.microsoft.com/office/drawing/2014/main" xmlns="" id="{E71B789C-32B3-410B-ABF7-29E281FE5535}"/>
+                <a16:creationId xmlns="" xmlns:a16="http://schemas.microsoft.com/office/drawing/2014/main" id="{E71B789C-32B3-410B-ABF7-29E281FE5535}"/>
               </a:ext>
             </a:extLst>
           </p:cNvPr>
@@ -8280,7 +8272,7 @@
           <p:cNvPr id="7" name="Titel 6">
             <a:extLst>
               <a:ext uri="{FF2B5EF4-FFF2-40B4-BE49-F238E27FC236}">
-                <a16:creationId xmlns:a16="http://schemas.microsoft.com/office/drawing/2014/main" xmlns="" id="{D42B5293-CE3E-4990-9861-D6304C69B52C}"/>
+                <a16:creationId xmlns="" xmlns:a16="http://schemas.microsoft.com/office/drawing/2014/main" id="{D42B5293-CE3E-4990-9861-D6304C69B52C}"/>
               </a:ext>
             </a:extLst>
           </p:cNvPr>
@@ -8305,7 +8297,7 @@
           <p:cNvPr id="9" name="Textfeld 8">
             <a:extLst>
               <a:ext uri="{FF2B5EF4-FFF2-40B4-BE49-F238E27FC236}">
-                <a16:creationId xmlns:a16="http://schemas.microsoft.com/office/drawing/2014/main" xmlns="" id="{DC2EBD93-0A29-4D13-8937-5E5E97458ED2}"/>
+                <a16:creationId xmlns="" xmlns:a16="http://schemas.microsoft.com/office/drawing/2014/main" id="{DC2EBD93-0A29-4D13-8937-5E5E97458ED2}"/>
               </a:ext>
             </a:extLst>
           </p:cNvPr>
@@ -8405,7 +8397,7 @@
           <p:cNvPr id="10" name="Grafik 9">
             <a:extLst>
               <a:ext uri="{FF2B5EF4-FFF2-40B4-BE49-F238E27FC236}">
-                <a16:creationId xmlns:a16="http://schemas.microsoft.com/office/drawing/2014/main" xmlns="" id="{411D9A4B-7725-4183-8C43-7E7F6F832C99}"/>
+                <a16:creationId xmlns="" xmlns:a16="http://schemas.microsoft.com/office/drawing/2014/main" id="{411D9A4B-7725-4183-8C43-7E7F6F832C99}"/>
               </a:ext>
             </a:extLst>
           </p:cNvPr>
@@ -8433,7 +8425,7 @@
     </p:spTree>
     <p:extLst>
       <p:ext uri="{BB962C8B-B14F-4D97-AF65-F5344CB8AC3E}">
-        <p14:creationId xmlns:p14="http://schemas.microsoft.com/office/powerpoint/2010/main" xmlns="" val="3568783155"/>
+        <p14:creationId xmlns:p14="http://schemas.microsoft.com/office/powerpoint/2010/main" val="3568783155"/>
       </p:ext>
     </p:extLst>
   </p:cSld>
@@ -8707,7 +8699,7 @@
           <p:cNvPr id="2" name="Grafik 1">
             <a:extLst>
               <a:ext uri="{FF2B5EF4-FFF2-40B4-BE49-F238E27FC236}">
-                <a16:creationId xmlns:a16="http://schemas.microsoft.com/office/drawing/2014/main" xmlns="" id="{98618247-3CA8-4213-8F1F-3FE8543B3989}"/>
+                <a16:creationId xmlns="" xmlns:a16="http://schemas.microsoft.com/office/drawing/2014/main" id="{98618247-3CA8-4213-8F1F-3FE8543B3989}"/>
               </a:ext>
             </a:extLst>
           </p:cNvPr>
@@ -8737,7 +8729,7 @@
           <p:cNvPr id="3" name="Grafik 2">
             <a:extLst>
               <a:ext uri="{FF2B5EF4-FFF2-40B4-BE49-F238E27FC236}">
-                <a16:creationId xmlns:a16="http://schemas.microsoft.com/office/drawing/2014/main" xmlns="" id="{21CF85D4-FDC8-4B52-A3B2-4C5DBCE37C20}"/>
+                <a16:creationId xmlns="" xmlns:a16="http://schemas.microsoft.com/office/drawing/2014/main" id="{21CF85D4-FDC8-4B52-A3B2-4C5DBCE37C20}"/>
               </a:ext>
             </a:extLst>
           </p:cNvPr>
@@ -8825,7 +8817,7 @@
     </p:spTree>
     <p:extLst>
       <p:ext uri="{BB962C8B-B14F-4D97-AF65-F5344CB8AC3E}">
-        <p14:creationId xmlns:p14="http://schemas.microsoft.com/office/powerpoint/2010/main" xmlns="" val="3675059920"/>
+        <p14:creationId xmlns:p14="http://schemas.microsoft.com/office/powerpoint/2010/main" val="3675059920"/>
       </p:ext>
     </p:extLst>
   </p:cSld>
@@ -9032,7 +9024,7 @@
           <a:blip r:embed="rId2" cstate="print">
             <a:extLst>
               <a:ext uri="{28A0092B-C50C-407E-A947-70E740481C1C}">
-                <a14:useLocalDpi xmlns:a14="http://schemas.microsoft.com/office/drawing/2010/main" xmlns="" val="0"/>
+                <a14:useLocalDpi xmlns:a14="http://schemas.microsoft.com/office/drawing/2010/main" val="0"/>
               </a:ext>
             </a:extLst>
           </a:blip>
@@ -9042,8 +9034,70 @@
         </p:blipFill>
         <p:spPr>
           <a:xfrm>
-            <a:off x="3779912" y="1851670"/>
+            <a:off x="5235899" y="1353193"/>
             <a:ext cx="2820814" cy="2741456"/>
+          </a:xfrm>
+          <a:prstGeom prst="rect">
+            <a:avLst/>
+          </a:prstGeom>
+        </p:spPr>
+      </p:pic>
+      <p:sp>
+        <p:nvSpPr>
+          <p:cNvPr id="5" name="Textfeld 4"/>
+          <p:cNvSpPr txBox="1"/>
+          <p:nvPr/>
+        </p:nvSpPr>
+        <p:spPr>
+          <a:xfrm>
+            <a:off x="180529" y="4752158"/>
+            <a:ext cx="2743096" cy="400110"/>
+          </a:xfrm>
+          <a:prstGeom prst="rect">
+            <a:avLst/>
+          </a:prstGeom>
+          <a:noFill/>
+        </p:spPr>
+        <p:txBody>
+          <a:bodyPr wrap="square" rtlCol="0">
+            <a:spAutoFit/>
+          </a:bodyPr>
+          <a:lstStyle/>
+          <a:p>
+            <a:r>
+              <a:rPr lang="de-DE" sz="1000" dirty="0">
+                <a:hlinkClick r:id="rId3"/>
+              </a:rPr>
+              <a:t>http://www.controllersandpcs.de/lehrarchiv/pdfs/elektronik/einfuehrung_09.pdf</a:t>
+            </a:r>
+            <a:endParaRPr lang="de-DE" sz="1000" dirty="0"/>
+          </a:p>
+        </p:txBody>
+      </p:sp>
+      <p:pic>
+        <p:nvPicPr>
+          <p:cNvPr id="9" name="Grafik 8"/>
+          <p:cNvPicPr>
+            <a:picLocks noChangeAspect="1"/>
+          </p:cNvPicPr>
+          <p:nvPr/>
+        </p:nvPicPr>
+        <p:blipFill>
+          <a:blip r:embed="rId4">
+            <a:extLst>
+              <a:ext uri="{28A0092B-C50C-407E-A947-70E740481C1C}">
+                <a14:useLocalDpi xmlns:a14="http://schemas.microsoft.com/office/drawing/2010/main" val="0"/>
+              </a:ext>
+            </a:extLst>
+          </a:blip>
+          <a:stretch>
+            <a:fillRect/>
+          </a:stretch>
+        </p:blipFill>
+        <p:spPr>
+          <a:xfrm>
+            <a:off x="683568" y="2725448"/>
+            <a:ext cx="3324225" cy="1371600"/>
           </a:xfrm>
           <a:prstGeom prst="rect">
             <a:avLst/>
@@ -9053,7 +9107,7 @@
     </p:spTree>
     <p:extLst>
       <p:ext uri="{BB962C8B-B14F-4D97-AF65-F5344CB8AC3E}">
-        <p14:creationId xmlns:p14="http://schemas.microsoft.com/office/powerpoint/2010/main" xmlns="" val="3571475451"/>
+        <p14:creationId xmlns:p14="http://schemas.microsoft.com/office/powerpoint/2010/main" val="3571475451"/>
       </p:ext>
     </p:extLst>
   </p:cSld>
@@ -9165,9 +9219,10 @@
           <a:lstStyle/>
           <a:p>
             <a:r>
-              <a:rPr lang="de-DE" dirty="0"/>
+              <a:rPr lang="de-DE" dirty="0" smtClean="0"/>
               <a:t>Energiesparmodus</a:t>
             </a:r>
+            <a:endParaRPr lang="de-DE" dirty="0"/>
           </a:p>
         </p:txBody>
       </p:sp>
@@ -9180,7 +9235,7 @@
         <p:spPr>
           <a:xfrm>
             <a:off x="281258" y="1087122"/>
-            <a:ext cx="8567542" cy="2462213"/>
+            <a:ext cx="8567542" cy="3108543"/>
           </a:xfrm>
           <a:prstGeom prst="rect">
             <a:avLst/>
@@ -9194,8 +9249,35 @@
           <a:lstStyle/>
           <a:p>
             <a:r>
-              <a:rPr lang="de-DE" dirty="0"/>
-              <a:t>Voraussetzungen:</a:t>
+              <a:rPr lang="de-DE" dirty="0" smtClean="0"/>
+              <a:t>Verbrauch im </a:t>
+            </a:r>
+            <a:r>
+              <a:rPr lang="de-DE" dirty="0" err="1" smtClean="0"/>
+              <a:t>LowPowerRunModus</a:t>
+            </a:r>
+            <a:r>
+              <a:rPr lang="de-DE" dirty="0" smtClean="0"/>
+              <a:t>:</a:t>
+            </a:r>
+          </a:p>
+          <a:p>
+            <a:r>
+              <a:rPr lang="de-DE" dirty="0" smtClean="0"/>
+              <a:t>     0,77mA statt 94mA</a:t>
+            </a:r>
+          </a:p>
+          <a:p>
+            <a:endParaRPr lang="de-DE" dirty="0"/>
+          </a:p>
+          <a:p>
+            <a:r>
+              <a:rPr lang="de-DE" dirty="0" smtClean="0"/>
+              <a:t>Voraussetzungen</a:t>
+            </a:r>
+            <a:r>
+              <a:rPr lang="de-DE" dirty="0"/>
+              <a:t>:</a:t>
             </a:r>
           </a:p>
           <a:p>
@@ -9286,7 +9368,7 @@
     </p:spTree>
     <p:extLst>
       <p:ext uri="{BB962C8B-B14F-4D97-AF65-F5344CB8AC3E}">
-        <p14:creationId xmlns:p14="http://schemas.microsoft.com/office/powerpoint/2010/main" xmlns="" val="1528391062"/>
+        <p14:creationId xmlns:p14="http://schemas.microsoft.com/office/powerpoint/2010/main" val="1528391062"/>
       </p:ext>
     </p:extLst>
   </p:cSld>
@@ -9660,7 +9742,7 @@
     </p:spTree>
     <p:extLst>
       <p:ext uri="{BB962C8B-B14F-4D97-AF65-F5344CB8AC3E}">
-        <p14:creationId xmlns:p14="http://schemas.microsoft.com/office/powerpoint/2010/main" xmlns="" val="3022004272"/>
+        <p14:creationId xmlns:p14="http://schemas.microsoft.com/office/powerpoint/2010/main" val="3022004272"/>
       </p:ext>
     </p:extLst>
   </p:cSld>
@@ -9894,7 +9976,7 @@
   <a:extraClrSchemeLst/>
   <a:extLst>
     <a:ext uri="{05A4C25C-085E-4340-85A3-A5531E510DB2}">
-      <thm15:themeFamily xmlns:thm15="http://schemas.microsoft.com/office/thememl/2012/main" xmlns="" name="OTH_PowerPoint_16x9_Vorschlag_pepig.potx" id="{43620CFC-C386-4CA8-B9E6-5EEE78A9B3C3}" vid="{E10F38B3-65C0-4F3B-89E5-411266422D7E}"/>
+      <thm15:themeFamily xmlns:thm15="http://schemas.microsoft.com/office/thememl/2012/main" name="OTH_PowerPoint_16x9_Vorschlag_pepig.potx" id="{43620CFC-C386-4CA8-B9E6-5EEE78A9B3C3}" vid="{E10F38B3-65C0-4F3B-89E5-411266422D7E}"/>
     </a:ext>
   </a:extLst>
 </a:theme>
@@ -10514,21 +10596,6 @@
 </file>
 
 <file path=customXml/item1.xml><?xml version="1.0" encoding="utf-8"?>
-<p:properties xmlns:p="http://schemas.microsoft.com/office/2006/metadata/properties" xmlns:xsi="http://www.w3.org/2001/XMLSchema-instance" xmlns:pc="http://schemas.microsoft.com/office/infopath/2007/PartnerControls">
-  <documentManagement/>
-</p:properties>
-</file>
-
-<file path=customXml/item2.xml><?xml version="1.0" encoding="utf-8"?>
-<?mso-contentType ?>
-<FormTemplates xmlns="http://schemas.microsoft.com/sharepoint/v3/contenttype/forms">
-  <Display>DocumentLibraryForm</Display>
-  <Edit>DocumentLibraryForm</Edit>
-  <New>DocumentLibraryForm</New>
-</FormTemplates>
-</file>
-
-<file path=customXml/item3.xml><?xml version="1.0" encoding="utf-8"?>
 <ct:contentTypeSchema xmlns:ct="http://schemas.microsoft.com/office/2006/metadata/contentType" xmlns:ma="http://schemas.microsoft.com/office/2006/metadata/properties/metaAttributes" ct:_="" ma:_="" ma:contentTypeName="Dokument" ma:contentTypeID="0x0101003DC6390AE56B35438C65966F635EAD35" ma:contentTypeVersion="0" ma:contentTypeDescription="Ein neues Dokument erstellen." ma:contentTypeScope="" ma:versionID="4f3286d4674dd6d9e62b4ad622de0e43">
   <xsd:schema xmlns:xsd="http://www.w3.org/2001/XMLSchema" xmlns:xs="http://www.w3.org/2001/XMLSchema" xmlns:p="http://schemas.microsoft.com/office/2006/metadata/properties" targetNamespace="http://schemas.microsoft.com/office/2006/metadata/properties" ma:root="true" ma:fieldsID="b4f5dc90cf06628c3b90945c8266c24d">
     <xsd:element name="properties">
@@ -10642,17 +10709,33 @@
 </ct:contentTypeSchema>
 </file>
 
+<file path=customXml/item2.xml><?xml version="1.0" encoding="utf-8"?>
+<?mso-contentType ?>
+<FormTemplates xmlns="http://schemas.microsoft.com/sharepoint/v3/contenttype/forms">
+  <Display>DocumentLibraryForm</Display>
+  <Edit>DocumentLibraryForm</Edit>
+  <New>DocumentLibraryForm</New>
+</FormTemplates>
+</file>
+
+<file path=customXml/item3.xml><?xml version="1.0" encoding="utf-8"?>
+<p:properties xmlns:p="http://schemas.microsoft.com/office/2006/metadata/properties" xmlns:xsi="http://www.w3.org/2001/XMLSchema-instance" xmlns:pc="http://schemas.microsoft.com/office/infopath/2007/PartnerControls">
+  <documentManagement/>
+</p:properties>
+</file>
+
 <file path=customXml/itemProps1.xml><?xml version="1.0" encoding="utf-8"?>
-<ds:datastoreItem xmlns:ds="http://schemas.openxmlformats.org/officeDocument/2006/customXml" ds:itemID="{6F65AD01-48E5-4010-AD48-B7D7CFBD789F}">
+<ds:datastoreItem xmlns:ds="http://schemas.openxmlformats.org/officeDocument/2006/customXml" ds:itemID="{2566FAE7-B46A-4DFD-AC4F-E088CCE66172}">
   <ds:schemaRefs>
-    <ds:schemaRef ds:uri="http://schemas.microsoft.com/office/2006/documentManagement/types"/>
+    <ds:schemaRef ds:uri="http://schemas.microsoft.com/office/2006/metadata/contentType"/>
+    <ds:schemaRef ds:uri="http://schemas.microsoft.com/office/2006/metadata/properties/metaAttributes"/>
+    <ds:schemaRef ds:uri="http://www.w3.org/2001/XMLSchema"/>
+    <ds:schemaRef ds:uri="http://schemas.microsoft.com/office/2006/metadata/properties"/>
+    <ds:schemaRef ds:uri="http://schemas.openxmlformats.org/package/2006/metadata/core-properties"/>
     <ds:schemaRef ds:uri="http://purl.org/dc/elements/1.1/"/>
-    <ds:schemaRef ds:uri="http://schemas.microsoft.com/office/2006/metadata/properties"/>
     <ds:schemaRef ds:uri="http://purl.org/dc/terms/"/>
-    <ds:schemaRef ds:uri="http://schemas.openxmlformats.org/package/2006/metadata/core-properties"/>
-    <ds:schemaRef ds:uri="http://purl.org/dc/dcmitype/"/>
+    <ds:schemaRef ds:uri="http://schemas.microsoft.com/internal/obd"/>
     <ds:schemaRef ds:uri="http://schemas.microsoft.com/office/infopath/2007/PartnerControls"/>
-    <ds:schemaRef ds:uri="http://www.w3.org/XML/1998/namespace"/>
   </ds:schemaRefs>
 </ds:datastoreItem>
 </file>
@@ -10666,17 +10749,16 @@
 </file>
 
 <file path=customXml/itemProps3.xml><?xml version="1.0" encoding="utf-8"?>
-<ds:datastoreItem xmlns:ds="http://schemas.openxmlformats.org/officeDocument/2006/customXml" ds:itemID="{2566FAE7-B46A-4DFD-AC4F-E088CCE66172}">
+<ds:datastoreItem xmlns:ds="http://schemas.openxmlformats.org/officeDocument/2006/customXml" ds:itemID="{6F65AD01-48E5-4010-AD48-B7D7CFBD789F}">
   <ds:schemaRefs>
-    <ds:schemaRef ds:uri="http://schemas.microsoft.com/office/2006/metadata/contentType"/>
-    <ds:schemaRef ds:uri="http://schemas.microsoft.com/office/2006/metadata/properties/metaAttributes"/>
-    <ds:schemaRef ds:uri="http://www.w3.org/2001/XMLSchema"/>
+    <ds:schemaRef ds:uri="http://schemas.microsoft.com/office/2006/documentManagement/types"/>
+    <ds:schemaRef ds:uri="http://purl.org/dc/elements/1.1/"/>
     <ds:schemaRef ds:uri="http://schemas.microsoft.com/office/2006/metadata/properties"/>
+    <ds:schemaRef ds:uri="http://purl.org/dc/terms/"/>
     <ds:schemaRef ds:uri="http://schemas.openxmlformats.org/package/2006/metadata/core-properties"/>
-    <ds:schemaRef ds:uri="http://purl.org/dc/elements/1.1/"/>
-    <ds:schemaRef ds:uri="http://purl.org/dc/terms/"/>
-    <ds:schemaRef ds:uri="http://schemas.microsoft.com/internal/obd"/>
+    <ds:schemaRef ds:uri="http://purl.org/dc/dcmitype/"/>
     <ds:schemaRef ds:uri="http://schemas.microsoft.com/office/infopath/2007/PartnerControls"/>
+    <ds:schemaRef ds:uri="http://www.w3.org/XML/1998/namespace"/>
   </ds:schemaRefs>
 </ds:datastoreItem>
 </file>
--- a/Zwischenpräsentation/Zwischenpräsentation.pptx
+++ b/Zwischenpräsentation/Zwischenpräsentation.pptx
@@ -407,7 +407,7 @@
             <a:fld id="{90BC4B87-6123-4AD5-BA18-D0C615F32DE0}" type="datetimeFigureOut">
               <a:rPr lang="de-DE" smtClean="0"/>
               <a:pPr/>
-              <a:t>01.07.2020</a:t>
+              <a:t>02.07.2020</a:t>
             </a:fld>
             <a:endParaRPr lang="de-DE"/>
           </a:p>
@@ -6547,7 +6547,7 @@
           <p:cNvPr id="4" name="Datumsplatzhalter 3">
             <a:extLst>
               <a:ext uri="{FF2B5EF4-FFF2-40B4-BE49-F238E27FC236}">
-                <a16:creationId xmlns="" xmlns:a16="http://schemas.microsoft.com/office/drawing/2014/main" id="{A1AFD187-2404-4DB8-89F1-A9331AF8FB6A}"/>
+                <a16:creationId xmlns:a16="http://schemas.microsoft.com/office/drawing/2014/main" xmlns="" id="{A1AFD187-2404-4DB8-89F1-A9331AF8FB6A}"/>
               </a:ext>
             </a:extLst>
           </p:cNvPr>
@@ -6576,7 +6576,7 @@
           <p:cNvPr id="6" name="Foliennummernplatzhalter 5">
             <a:extLst>
               <a:ext uri="{FF2B5EF4-FFF2-40B4-BE49-F238E27FC236}">
-                <a16:creationId xmlns="" xmlns:a16="http://schemas.microsoft.com/office/drawing/2014/main" id="{3B4ECCCF-00AE-4584-8776-9324BC863521}"/>
+                <a16:creationId xmlns:a16="http://schemas.microsoft.com/office/drawing/2014/main" xmlns="" id="{3B4ECCCF-00AE-4584-8776-9324BC863521}"/>
               </a:ext>
             </a:extLst>
           </p:cNvPr>
@@ -6610,7 +6610,7 @@
           <p:cNvPr id="7" name="Titel 6">
             <a:extLst>
               <a:ext uri="{FF2B5EF4-FFF2-40B4-BE49-F238E27FC236}">
-                <a16:creationId xmlns="" xmlns:a16="http://schemas.microsoft.com/office/drawing/2014/main" id="{E7303516-9B1B-444D-B5B5-F4448A4FBC50}"/>
+                <a16:creationId xmlns:a16="http://schemas.microsoft.com/office/drawing/2014/main" xmlns="" id="{E7303516-9B1B-444D-B5B5-F4448A4FBC50}"/>
               </a:ext>
             </a:extLst>
           </p:cNvPr>
@@ -7757,7 +7757,7 @@
           <p:cNvPr id="9" name="Textfeld 8">
             <a:extLst>
               <a:ext uri="{FF2B5EF4-FFF2-40B4-BE49-F238E27FC236}">
-                <a16:creationId xmlns="" xmlns:a16="http://schemas.microsoft.com/office/drawing/2014/main" id="{5522C6CD-875E-497B-B0CB-7C1772871D12}"/>
+                <a16:creationId xmlns:a16="http://schemas.microsoft.com/office/drawing/2014/main" xmlns="" id="{5522C6CD-875E-497B-B0CB-7C1772871D12}"/>
               </a:ext>
             </a:extLst>
           </p:cNvPr>
@@ -8209,7 +8209,7 @@
           <p:cNvPr id="4" name="Datumsplatzhalter 3">
             <a:extLst>
               <a:ext uri="{FF2B5EF4-FFF2-40B4-BE49-F238E27FC236}">
-                <a16:creationId xmlns="" xmlns:a16="http://schemas.microsoft.com/office/drawing/2014/main" id="{D379F55B-2183-4D53-B717-EA7F1D2A9A31}"/>
+                <a16:creationId xmlns:a16="http://schemas.microsoft.com/office/drawing/2014/main" xmlns="" id="{D379F55B-2183-4D53-B717-EA7F1D2A9A31}"/>
               </a:ext>
             </a:extLst>
           </p:cNvPr>
@@ -8238,7 +8238,7 @@
           <p:cNvPr id="6" name="Foliennummernplatzhalter 5">
             <a:extLst>
               <a:ext uri="{FF2B5EF4-FFF2-40B4-BE49-F238E27FC236}">
-                <a16:creationId xmlns="" xmlns:a16="http://schemas.microsoft.com/office/drawing/2014/main" id="{E71B789C-32B3-410B-ABF7-29E281FE5535}"/>
+                <a16:creationId xmlns:a16="http://schemas.microsoft.com/office/drawing/2014/main" xmlns="" id="{E71B789C-32B3-410B-ABF7-29E281FE5535}"/>
               </a:ext>
             </a:extLst>
           </p:cNvPr>
@@ -8272,7 +8272,7 @@
           <p:cNvPr id="7" name="Titel 6">
             <a:extLst>
               <a:ext uri="{FF2B5EF4-FFF2-40B4-BE49-F238E27FC236}">
-                <a16:creationId xmlns="" xmlns:a16="http://schemas.microsoft.com/office/drawing/2014/main" id="{D42B5293-CE3E-4990-9861-D6304C69B52C}"/>
+                <a16:creationId xmlns:a16="http://schemas.microsoft.com/office/drawing/2014/main" xmlns="" id="{D42B5293-CE3E-4990-9861-D6304C69B52C}"/>
               </a:ext>
             </a:extLst>
           </p:cNvPr>
@@ -8297,7 +8297,7 @@
           <p:cNvPr id="9" name="Textfeld 8">
             <a:extLst>
               <a:ext uri="{FF2B5EF4-FFF2-40B4-BE49-F238E27FC236}">
-                <a16:creationId xmlns="" xmlns:a16="http://schemas.microsoft.com/office/drawing/2014/main" id="{DC2EBD93-0A29-4D13-8937-5E5E97458ED2}"/>
+                <a16:creationId xmlns:a16="http://schemas.microsoft.com/office/drawing/2014/main" xmlns="" id="{DC2EBD93-0A29-4D13-8937-5E5E97458ED2}"/>
               </a:ext>
             </a:extLst>
           </p:cNvPr>
@@ -8397,7 +8397,7 @@
           <p:cNvPr id="10" name="Grafik 9">
             <a:extLst>
               <a:ext uri="{FF2B5EF4-FFF2-40B4-BE49-F238E27FC236}">
-                <a16:creationId xmlns="" xmlns:a16="http://schemas.microsoft.com/office/drawing/2014/main" id="{411D9A4B-7725-4183-8C43-7E7F6F832C99}"/>
+                <a16:creationId xmlns:a16="http://schemas.microsoft.com/office/drawing/2014/main" xmlns="" id="{411D9A4B-7725-4183-8C43-7E7F6F832C99}"/>
               </a:ext>
             </a:extLst>
           </p:cNvPr>
@@ -8699,7 +8699,7 @@
           <p:cNvPr id="2" name="Grafik 1">
             <a:extLst>
               <a:ext uri="{FF2B5EF4-FFF2-40B4-BE49-F238E27FC236}">
-                <a16:creationId xmlns="" xmlns:a16="http://schemas.microsoft.com/office/drawing/2014/main" id="{98618247-3CA8-4213-8F1F-3FE8543B3989}"/>
+                <a16:creationId xmlns:a16="http://schemas.microsoft.com/office/drawing/2014/main" xmlns="" id="{98618247-3CA8-4213-8F1F-3FE8543B3989}"/>
               </a:ext>
             </a:extLst>
           </p:cNvPr>
@@ -8729,7 +8729,7 @@
           <p:cNvPr id="3" name="Grafik 2">
             <a:extLst>
               <a:ext uri="{FF2B5EF4-FFF2-40B4-BE49-F238E27FC236}">
-                <a16:creationId xmlns="" xmlns:a16="http://schemas.microsoft.com/office/drawing/2014/main" id="{21CF85D4-FDC8-4B52-A3B2-4C5DBCE37C20}"/>
+                <a16:creationId xmlns:a16="http://schemas.microsoft.com/office/drawing/2014/main" xmlns="" id="{21CF85D4-FDC8-4B52-A3B2-4C5DBCE37C20}"/>
               </a:ext>
             </a:extLst>
           </p:cNvPr>
@@ -9264,8 +9264,21 @@
           <a:p>
             <a:r>
               <a:rPr lang="de-DE" dirty="0" smtClean="0"/>
-              <a:t>     0,77mA statt 94mA</a:t>
-            </a:r>
+              <a:t>     0,77mA </a:t>
+            </a:r>
+            <a:r>
+              <a:rPr lang="de-DE" smtClean="0"/>
+              <a:t>statt </a:t>
+            </a:r>
+            <a:r>
+              <a:rPr lang="de-DE" smtClean="0"/>
+              <a:t>4,6</a:t>
+            </a:r>
+            <a:r>
+              <a:rPr lang="de-DE" smtClean="0"/>
+              <a:t>mA</a:t>
+            </a:r>
+            <a:endParaRPr lang="de-DE" dirty="0" smtClean="0"/>
           </a:p>
           <a:p>
             <a:endParaRPr lang="de-DE" dirty="0"/>
@@ -10596,6 +10609,21 @@
 </file>
 
 <file path=customXml/item1.xml><?xml version="1.0" encoding="utf-8"?>
+<p:properties xmlns:p="http://schemas.microsoft.com/office/2006/metadata/properties" xmlns:xsi="http://www.w3.org/2001/XMLSchema-instance" xmlns:pc="http://schemas.microsoft.com/office/infopath/2007/PartnerControls">
+  <documentManagement/>
+</p:properties>
+</file>
+
+<file path=customXml/item2.xml><?xml version="1.0" encoding="utf-8"?>
+<?mso-contentType ?>
+<FormTemplates xmlns="http://schemas.microsoft.com/sharepoint/v3/contenttype/forms">
+  <Display>DocumentLibraryForm</Display>
+  <Edit>DocumentLibraryForm</Edit>
+  <New>DocumentLibraryForm</New>
+</FormTemplates>
+</file>
+
+<file path=customXml/item3.xml><?xml version="1.0" encoding="utf-8"?>
 <ct:contentTypeSchema xmlns:ct="http://schemas.microsoft.com/office/2006/metadata/contentType" xmlns:ma="http://schemas.microsoft.com/office/2006/metadata/properties/metaAttributes" ct:_="" ma:_="" ma:contentTypeName="Dokument" ma:contentTypeID="0x0101003DC6390AE56B35438C65966F635EAD35" ma:contentTypeVersion="0" ma:contentTypeDescription="Ein neues Dokument erstellen." ma:contentTypeScope="" ma:versionID="4f3286d4674dd6d9e62b4ad622de0e43">
   <xsd:schema xmlns:xsd="http://www.w3.org/2001/XMLSchema" xmlns:xs="http://www.w3.org/2001/XMLSchema" xmlns:p="http://schemas.microsoft.com/office/2006/metadata/properties" targetNamespace="http://schemas.microsoft.com/office/2006/metadata/properties" ma:root="true" ma:fieldsID="b4f5dc90cf06628c3b90945c8266c24d">
     <xsd:element name="properties">
@@ -10709,22 +10737,30 @@
 </ct:contentTypeSchema>
 </file>
 
-<file path=customXml/item2.xml><?xml version="1.0" encoding="utf-8"?>
-<?mso-contentType ?>
-<FormTemplates xmlns="http://schemas.microsoft.com/sharepoint/v3/contenttype/forms">
-  <Display>DocumentLibraryForm</Display>
-  <Edit>DocumentLibraryForm</Edit>
-  <New>DocumentLibraryForm</New>
-</FormTemplates>
+<file path=customXml/itemProps1.xml><?xml version="1.0" encoding="utf-8"?>
+<ds:datastoreItem xmlns:ds="http://schemas.openxmlformats.org/officeDocument/2006/customXml" ds:itemID="{6F65AD01-48E5-4010-AD48-B7D7CFBD789F}">
+  <ds:schemaRefs>
+    <ds:schemaRef ds:uri="http://schemas.microsoft.com/office/2006/documentManagement/types"/>
+    <ds:schemaRef ds:uri="http://purl.org/dc/elements/1.1/"/>
+    <ds:schemaRef ds:uri="http://schemas.microsoft.com/office/2006/metadata/properties"/>
+    <ds:schemaRef ds:uri="http://purl.org/dc/terms/"/>
+    <ds:schemaRef ds:uri="http://schemas.openxmlformats.org/package/2006/metadata/core-properties"/>
+    <ds:schemaRef ds:uri="http://purl.org/dc/dcmitype/"/>
+    <ds:schemaRef ds:uri="http://schemas.microsoft.com/office/infopath/2007/PartnerControls"/>
+    <ds:schemaRef ds:uri="http://www.w3.org/XML/1998/namespace"/>
+  </ds:schemaRefs>
+</ds:datastoreItem>
 </file>
 
-<file path=customXml/item3.xml><?xml version="1.0" encoding="utf-8"?>
-<p:properties xmlns:p="http://schemas.microsoft.com/office/2006/metadata/properties" xmlns:xsi="http://www.w3.org/2001/XMLSchema-instance" xmlns:pc="http://schemas.microsoft.com/office/infopath/2007/PartnerControls">
-  <documentManagement/>
-</p:properties>
+<file path=customXml/itemProps2.xml><?xml version="1.0" encoding="utf-8"?>
+<ds:datastoreItem xmlns:ds="http://schemas.openxmlformats.org/officeDocument/2006/customXml" ds:itemID="{20CAF0C3-C893-4631-969E-805C1C12F17E}">
+  <ds:schemaRefs>
+    <ds:schemaRef ds:uri="http://schemas.microsoft.com/sharepoint/v3/contenttype/forms"/>
+  </ds:schemaRefs>
+</ds:datastoreItem>
 </file>
 
-<file path=customXml/itemProps1.xml><?xml version="1.0" encoding="utf-8"?>
+<file path=customXml/itemProps3.xml><?xml version="1.0" encoding="utf-8"?>
 <ds:datastoreItem xmlns:ds="http://schemas.openxmlformats.org/officeDocument/2006/customXml" ds:itemID="{2566FAE7-B46A-4DFD-AC4F-E088CCE66172}">
   <ds:schemaRefs>
     <ds:schemaRef ds:uri="http://schemas.microsoft.com/office/2006/metadata/contentType"/>
@@ -10738,27 +10774,4 @@
     <ds:schemaRef ds:uri="http://schemas.microsoft.com/office/infopath/2007/PartnerControls"/>
   </ds:schemaRefs>
 </ds:datastoreItem>
-</file>
-
-<file path=customXml/itemProps2.xml><?xml version="1.0" encoding="utf-8"?>
-<ds:datastoreItem xmlns:ds="http://schemas.openxmlformats.org/officeDocument/2006/customXml" ds:itemID="{20CAF0C3-C893-4631-969E-805C1C12F17E}">
-  <ds:schemaRefs>
-    <ds:schemaRef ds:uri="http://schemas.microsoft.com/sharepoint/v3/contenttype/forms"/>
-  </ds:schemaRefs>
-</ds:datastoreItem>
-</file>
-
-<file path=customXml/itemProps3.xml><?xml version="1.0" encoding="utf-8"?>
-<ds:datastoreItem xmlns:ds="http://schemas.openxmlformats.org/officeDocument/2006/customXml" ds:itemID="{6F65AD01-48E5-4010-AD48-B7D7CFBD789F}">
-  <ds:schemaRefs>
-    <ds:schemaRef ds:uri="http://schemas.microsoft.com/office/2006/documentManagement/types"/>
-    <ds:schemaRef ds:uri="http://purl.org/dc/elements/1.1/"/>
-    <ds:schemaRef ds:uri="http://schemas.microsoft.com/office/2006/metadata/properties"/>
-    <ds:schemaRef ds:uri="http://purl.org/dc/terms/"/>
-    <ds:schemaRef ds:uri="http://schemas.openxmlformats.org/package/2006/metadata/core-properties"/>
-    <ds:schemaRef ds:uri="http://purl.org/dc/dcmitype/"/>
-    <ds:schemaRef ds:uri="http://schemas.microsoft.com/office/infopath/2007/PartnerControls"/>
-    <ds:schemaRef ds:uri="http://www.w3.org/XML/1998/namespace"/>
-  </ds:schemaRefs>
-</ds:datastoreItem>
 </file>